--- a/doc/Введение_в_разработку_корпоративных_приложений_на_Java.pptx
+++ b/doc/Введение_в_разработку_корпоративных_приложений_на_Java.pptx
@@ -5,7 +5,7 @@
     <p:sldMasterId id="2147483648" r:id="rId1"/>
   </p:sldMasterIdLst>
   <p:notesMasterIdLst>
-    <p:notesMasterId r:id="rId13"/>
+    <p:notesMasterId r:id="rId17"/>
   </p:notesMasterIdLst>
   <p:sldIdLst>
     <p:sldId id="378" r:id="rId2"/>
@@ -13,12 +13,16 @@
     <p:sldId id="379" r:id="rId4"/>
     <p:sldId id="375" r:id="rId5"/>
     <p:sldId id="380" r:id="rId6"/>
-    <p:sldId id="381" r:id="rId7"/>
-    <p:sldId id="382" r:id="rId8"/>
-    <p:sldId id="383" r:id="rId9"/>
+    <p:sldId id="383" r:id="rId7"/>
+    <p:sldId id="385" r:id="rId8"/>
+    <p:sldId id="390" r:id="rId9"/>
     <p:sldId id="384" r:id="rId10"/>
-    <p:sldId id="362" r:id="rId11"/>
-    <p:sldId id="377" r:id="rId12"/>
+    <p:sldId id="386" r:id="rId11"/>
+    <p:sldId id="387" r:id="rId12"/>
+    <p:sldId id="388" r:id="rId13"/>
+    <p:sldId id="389" r:id="rId14"/>
+    <p:sldId id="362" r:id="rId15"/>
+    <p:sldId id="377" r:id="rId16"/>
   </p:sldIdLst>
   <p:sldSz cx="12192000" cy="6858000"/>
   <p:notesSz cx="6858000" cy="9144000"/>
@@ -207,7 +211,7 @@
           <a:p>
             <a:fld id="{8024ACF8-F345-4A7B-85A9-930F72651817}" type="datetimeFigureOut">
               <a:rPr lang="ru-RU" smtClean="0"/>
-              <a:t>18.05.2023</a:t>
+              <a:t>25.05.2023</a:t>
             </a:fld>
             <a:endParaRPr lang="ru-RU"/>
           </a:p>
@@ -603,7 +607,7 @@
           <a:p>
             <a:fld id="{24EBF274-5313-424D-A024-2D9947A9202E}" type="datetimeFigureOut">
               <a:rPr lang="ru-RU" smtClean="0"/>
-              <a:t>18.05.2023</a:t>
+              <a:t>25.05.2023</a:t>
             </a:fld>
             <a:endParaRPr lang="ru-RU"/>
           </a:p>
@@ -771,7 +775,7 @@
           <a:p>
             <a:fld id="{24EBF274-5313-424D-A024-2D9947A9202E}" type="datetimeFigureOut">
               <a:rPr lang="ru-RU" smtClean="0"/>
-              <a:t>18.05.2023</a:t>
+              <a:t>25.05.2023</a:t>
             </a:fld>
             <a:endParaRPr lang="ru-RU"/>
           </a:p>
@@ -949,7 +953,7 @@
           <a:p>
             <a:fld id="{24EBF274-5313-424D-A024-2D9947A9202E}" type="datetimeFigureOut">
               <a:rPr lang="ru-RU" smtClean="0"/>
-              <a:t>18.05.2023</a:t>
+              <a:t>25.05.2023</a:t>
             </a:fld>
             <a:endParaRPr lang="ru-RU"/>
           </a:p>
@@ -1117,7 +1121,7 @@
           <a:p>
             <a:fld id="{24EBF274-5313-424D-A024-2D9947A9202E}" type="datetimeFigureOut">
               <a:rPr lang="ru-RU" smtClean="0"/>
-              <a:t>18.05.2023</a:t>
+              <a:t>25.05.2023</a:t>
             </a:fld>
             <a:endParaRPr lang="ru-RU"/>
           </a:p>
@@ -1362,7 +1366,7 @@
           <a:p>
             <a:fld id="{24EBF274-5313-424D-A024-2D9947A9202E}" type="datetimeFigureOut">
               <a:rPr lang="ru-RU" smtClean="0"/>
-              <a:t>18.05.2023</a:t>
+              <a:t>25.05.2023</a:t>
             </a:fld>
             <a:endParaRPr lang="ru-RU"/>
           </a:p>
@@ -1591,7 +1595,7 @@
           <a:p>
             <a:fld id="{24EBF274-5313-424D-A024-2D9947A9202E}" type="datetimeFigureOut">
               <a:rPr lang="ru-RU" smtClean="0"/>
-              <a:t>18.05.2023</a:t>
+              <a:t>25.05.2023</a:t>
             </a:fld>
             <a:endParaRPr lang="ru-RU"/>
           </a:p>
@@ -1955,7 +1959,7 @@
           <a:p>
             <a:fld id="{24EBF274-5313-424D-A024-2D9947A9202E}" type="datetimeFigureOut">
               <a:rPr lang="ru-RU" smtClean="0"/>
-              <a:t>18.05.2023</a:t>
+              <a:t>25.05.2023</a:t>
             </a:fld>
             <a:endParaRPr lang="ru-RU"/>
           </a:p>
@@ -2072,7 +2076,7 @@
           <a:p>
             <a:fld id="{24EBF274-5313-424D-A024-2D9947A9202E}" type="datetimeFigureOut">
               <a:rPr lang="ru-RU" smtClean="0"/>
-              <a:t>18.05.2023</a:t>
+              <a:t>25.05.2023</a:t>
             </a:fld>
             <a:endParaRPr lang="ru-RU"/>
           </a:p>
@@ -2167,7 +2171,7 @@
           <a:p>
             <a:fld id="{24EBF274-5313-424D-A024-2D9947A9202E}" type="datetimeFigureOut">
               <a:rPr lang="ru-RU" smtClean="0"/>
-              <a:t>18.05.2023</a:t>
+              <a:t>25.05.2023</a:t>
             </a:fld>
             <a:endParaRPr lang="ru-RU"/>
           </a:p>
@@ -2442,7 +2446,7 @@
           <a:p>
             <a:fld id="{24EBF274-5313-424D-A024-2D9947A9202E}" type="datetimeFigureOut">
               <a:rPr lang="ru-RU" smtClean="0"/>
-              <a:t>18.05.2023</a:t>
+              <a:t>25.05.2023</a:t>
             </a:fld>
             <a:endParaRPr lang="ru-RU"/>
           </a:p>
@@ -2694,7 +2698,7 @@
           <a:p>
             <a:fld id="{24EBF274-5313-424D-A024-2D9947A9202E}" type="datetimeFigureOut">
               <a:rPr lang="ru-RU" smtClean="0"/>
-              <a:t>18.05.2023</a:t>
+              <a:t>25.05.2023</a:t>
             </a:fld>
             <a:endParaRPr lang="ru-RU"/>
           </a:p>
@@ -2905,7 +2909,7 @@
           <a:p>
             <a:fld id="{24EBF274-5313-424D-A024-2D9947A9202E}" type="datetimeFigureOut">
               <a:rPr lang="ru-RU" smtClean="0"/>
-              <a:t>18.05.2023</a:t>
+              <a:t>25.05.2023</a:t>
             </a:fld>
             <a:endParaRPr lang="ru-RU"/>
           </a:p>
@@ -3482,9 +3486,11 @@
                 <a:ea typeface="Arial Unicode MS" panose="020B0604020202020204" pitchFamily="34" charset="-128"/>
                 <a:cs typeface="Arial Unicode MS" panose="020B0604020202020204" pitchFamily="34" charset="-128"/>
               </a:rPr>
-              <a:t>Выполнил: студент гр.4932 </a:t>
-            </a:r>
-            <a:br>
+              <a:t>Выполнили: </a:t>
+            </a:r>
+          </a:p>
+          <a:p>
+            <a:r>
               <a:rPr lang="ru-RU" sz="1600" dirty="0">
                 <a:solidFill>
                   <a:schemeClr val="bg1"/>
@@ -3493,7 +3499,10 @@
                 <a:ea typeface="Arial Unicode MS" panose="020B0604020202020204" pitchFamily="34" charset="-128"/>
                 <a:cs typeface="Arial Unicode MS" panose="020B0604020202020204" pitchFamily="34" charset="-128"/>
               </a:rPr>
-            </a:br>
+              <a:t>студент гр.4932 Иванов Никита</a:t>
+            </a:r>
+          </a:p>
+          <a:p>
             <a:r>
               <a:rPr lang="ru-RU" sz="1600" dirty="0">
                 <a:solidFill>
@@ -3503,7 +3512,7 @@
                 <a:ea typeface="Arial Unicode MS" panose="020B0604020202020204" pitchFamily="34" charset="-128"/>
                 <a:cs typeface="Arial Unicode MS" panose="020B0604020202020204" pitchFamily="34" charset="-128"/>
               </a:rPr>
-              <a:t>Иванов Никита</a:t>
+              <a:t>студент гр.4931 Александров Павел</a:t>
             </a:r>
           </a:p>
           <a:p>
@@ -3758,6 +3767,2035 @@
 </file>
 
 <file path=ppt/slides/slide10.xml><?xml version="1.0" encoding="utf-8"?>
+<p:sld xmlns:a="http://schemas.openxmlformats.org/drawingml/2006/main" xmlns:r="http://schemas.openxmlformats.org/officeDocument/2006/relationships" xmlns:p="http://schemas.openxmlformats.org/presentationml/2006/main">
+  <p:cSld>
+    <p:spTree>
+      <p:nvGrpSpPr>
+        <p:cNvPr id="1" name=""/>
+        <p:cNvGrpSpPr/>
+        <p:nvPr/>
+      </p:nvGrpSpPr>
+      <p:grpSpPr>
+        <a:xfrm>
+          <a:off x="0" y="0"/>
+          <a:ext cx="0" cy="0"/>
+          <a:chOff x="0" y="0"/>
+          <a:chExt cx="0" cy="0"/>
+        </a:xfrm>
+      </p:grpSpPr>
+      <p:pic>
+        <p:nvPicPr>
+          <p:cNvPr id="18" name="Рисунок 17">
+            <a:extLst>
+              <a:ext uri="{FF2B5EF4-FFF2-40B4-BE49-F238E27FC236}">
+                <a16:creationId xmlns:a16="http://schemas.microsoft.com/office/drawing/2014/main" id="{A517330B-6506-4403-9411-ABE882A3905A}"/>
+              </a:ext>
+            </a:extLst>
+          </p:cNvPr>
+          <p:cNvPicPr>
+            <a:picLocks noChangeAspect="1"/>
+          </p:cNvPicPr>
+          <p:nvPr/>
+        </p:nvPicPr>
+        <p:blipFill>
+          <a:blip r:embed="rId2" cstate="print">
+            <a:extLst>
+              <a:ext uri="{28A0092B-C50C-407E-A947-70E740481C1C}">
+                <a14:useLocalDpi xmlns:a14="http://schemas.microsoft.com/office/drawing/2010/main" val="0"/>
+              </a:ext>
+            </a:extLst>
+          </a:blip>
+          <a:stretch>
+            <a:fillRect/>
+          </a:stretch>
+        </p:blipFill>
+        <p:spPr>
+          <a:xfrm>
+            <a:off x="434951" y="393646"/>
+            <a:ext cx="1552134" cy="620696"/>
+          </a:xfrm>
+          <a:prstGeom prst="rect">
+            <a:avLst/>
+          </a:prstGeom>
+        </p:spPr>
+      </p:pic>
+      <p:sp>
+        <p:nvSpPr>
+          <p:cNvPr id="13" name="Заголовок 1"/>
+          <p:cNvSpPr txBox="1">
+            <a:spLocks/>
+          </p:cNvSpPr>
+          <p:nvPr/>
+        </p:nvSpPr>
+        <p:spPr>
+          <a:xfrm>
+            <a:off x="10914444" y="503673"/>
+            <a:ext cx="926575" cy="423621"/>
+          </a:xfrm>
+          <a:prstGeom prst="rect">
+            <a:avLst/>
+          </a:prstGeom>
+        </p:spPr>
+        <p:txBody>
+          <a:bodyPr vert="horz" lIns="0" tIns="0" rIns="0" bIns="0" rtlCol="0" anchor="ctr">
+            <a:normAutofit fontScale="97500"/>
+          </a:bodyPr>
+          <a:lstStyle/>
+          <a:p>
+            <a:r>
+              <a:rPr lang="en-US" dirty="0">
+                <a:solidFill>
+                  <a:schemeClr val="bg1">
+                    <a:lumMod val="85000"/>
+                  </a:schemeClr>
+                </a:solidFill>
+                <a:latin typeface="Arial" panose="020B0604020202020204" pitchFamily="34" charset="0"/>
+                <a:cs typeface="Arial" panose="020B0604020202020204" pitchFamily="34" charset="0"/>
+              </a:rPr>
+              <a:t>guap.ru</a:t>
+            </a:r>
+            <a:endParaRPr lang="ru-RU" dirty="0">
+              <a:solidFill>
+                <a:schemeClr val="bg1">
+                  <a:lumMod val="85000"/>
+                </a:schemeClr>
+              </a:solidFill>
+              <a:latin typeface="Arial" panose="020B0604020202020204" pitchFamily="34" charset="0"/>
+              <a:cs typeface="Arial" panose="020B0604020202020204" pitchFamily="34" charset="0"/>
+            </a:endParaRPr>
+          </a:p>
+        </p:txBody>
+      </p:sp>
+      <p:sp>
+        <p:nvSpPr>
+          <p:cNvPr id="8" name="TextBox 7"/>
+          <p:cNvSpPr txBox="1"/>
+          <p:nvPr/>
+        </p:nvSpPr>
+        <p:spPr>
+          <a:xfrm>
+            <a:off x="2246772" y="115318"/>
+            <a:ext cx="9414443" cy="1200329"/>
+          </a:xfrm>
+          <a:prstGeom prst="rect">
+            <a:avLst/>
+          </a:prstGeom>
+          <a:noFill/>
+        </p:spPr>
+        <p:txBody>
+          <a:bodyPr wrap="square" rtlCol="0">
+            <a:spAutoFit/>
+          </a:bodyPr>
+          <a:lstStyle/>
+          <a:p>
+            <a:r>
+              <a:rPr lang="ru-RU" sz="3600" b="1" dirty="0">
+                <a:solidFill>
+                  <a:srgbClr val="002060"/>
+                </a:solidFill>
+                <a:latin typeface="Arial" panose="020B0604020202020204" pitchFamily="34" charset="0"/>
+                <a:cs typeface="Arial" panose="020B0604020202020204" pitchFamily="34" charset="0"/>
+              </a:rPr>
+              <a:t>Примеры интерфейса разработанной программы. Уведомления.</a:t>
+            </a:r>
+          </a:p>
+        </p:txBody>
+      </p:sp>
+      <p:sp>
+        <p:nvSpPr>
+          <p:cNvPr id="9" name="Объект 2"/>
+          <p:cNvSpPr txBox="1">
+            <a:spLocks/>
+          </p:cNvSpPr>
+          <p:nvPr/>
+        </p:nvSpPr>
+        <p:spPr>
+          <a:xfrm>
+            <a:off x="434951" y="2731668"/>
+            <a:ext cx="10617362" cy="3457097"/>
+          </a:xfrm>
+          <a:prstGeom prst="rect">
+            <a:avLst/>
+          </a:prstGeom>
+        </p:spPr>
+        <p:txBody>
+          <a:bodyPr vert="horz" lIns="91440" tIns="45720" rIns="91440" bIns="45720" rtlCol="0">
+            <a:normAutofit/>
+          </a:bodyPr>
+          <a:lstStyle>
+            <a:lvl1pPr marL="0" indent="0" algn="ctr" defTabSz="914400" rtl="0" eaLnBrk="1" latinLnBrk="0" hangingPunct="1">
+              <a:lnSpc>
+                <a:spcPct val="90000"/>
+              </a:lnSpc>
+              <a:spcBef>
+                <a:spcPts val="1000"/>
+              </a:spcBef>
+              <a:buFont typeface="Arial" panose="020B0604020202020204" pitchFamily="34" charset="0"/>
+              <a:buNone/>
+              <a:defRPr sz="2400" kern="1200">
+                <a:solidFill>
+                  <a:schemeClr val="tx1"/>
+                </a:solidFill>
+                <a:latin typeface="+mn-lt"/>
+                <a:ea typeface="+mn-ea"/>
+                <a:cs typeface="+mn-cs"/>
+              </a:defRPr>
+            </a:lvl1pPr>
+            <a:lvl2pPr marL="457200" indent="0" algn="ctr" defTabSz="914400" rtl="0" eaLnBrk="1" latinLnBrk="0" hangingPunct="1">
+              <a:lnSpc>
+                <a:spcPct val="90000"/>
+              </a:lnSpc>
+              <a:spcBef>
+                <a:spcPts val="500"/>
+              </a:spcBef>
+              <a:buFont typeface="Arial" panose="020B0604020202020204" pitchFamily="34" charset="0"/>
+              <a:buNone/>
+              <a:defRPr sz="2000" kern="1200">
+                <a:solidFill>
+                  <a:schemeClr val="tx1"/>
+                </a:solidFill>
+                <a:latin typeface="+mn-lt"/>
+                <a:ea typeface="+mn-ea"/>
+                <a:cs typeface="+mn-cs"/>
+              </a:defRPr>
+            </a:lvl2pPr>
+            <a:lvl3pPr marL="914400" indent="0" algn="ctr" defTabSz="914400" rtl="0" eaLnBrk="1" latinLnBrk="0" hangingPunct="1">
+              <a:lnSpc>
+                <a:spcPct val="90000"/>
+              </a:lnSpc>
+              <a:spcBef>
+                <a:spcPts val="500"/>
+              </a:spcBef>
+              <a:buFont typeface="Arial" panose="020B0604020202020204" pitchFamily="34" charset="0"/>
+              <a:buNone/>
+              <a:defRPr sz="1800" kern="1200">
+                <a:solidFill>
+                  <a:schemeClr val="tx1"/>
+                </a:solidFill>
+                <a:latin typeface="+mn-lt"/>
+                <a:ea typeface="+mn-ea"/>
+                <a:cs typeface="+mn-cs"/>
+              </a:defRPr>
+            </a:lvl3pPr>
+            <a:lvl4pPr marL="1371600" indent="0" algn="ctr" defTabSz="914400" rtl="0" eaLnBrk="1" latinLnBrk="0" hangingPunct="1">
+              <a:lnSpc>
+                <a:spcPct val="90000"/>
+              </a:lnSpc>
+              <a:spcBef>
+                <a:spcPts val="500"/>
+              </a:spcBef>
+              <a:buFont typeface="Arial" panose="020B0604020202020204" pitchFamily="34" charset="0"/>
+              <a:buNone/>
+              <a:defRPr sz="1600" kern="1200">
+                <a:solidFill>
+                  <a:schemeClr val="tx1"/>
+                </a:solidFill>
+                <a:latin typeface="+mn-lt"/>
+                <a:ea typeface="+mn-ea"/>
+                <a:cs typeface="+mn-cs"/>
+              </a:defRPr>
+            </a:lvl4pPr>
+            <a:lvl5pPr marL="1828800" indent="0" algn="ctr" defTabSz="914400" rtl="0" eaLnBrk="1" latinLnBrk="0" hangingPunct="1">
+              <a:lnSpc>
+                <a:spcPct val="90000"/>
+              </a:lnSpc>
+              <a:spcBef>
+                <a:spcPts val="500"/>
+              </a:spcBef>
+              <a:buFont typeface="Arial" panose="020B0604020202020204" pitchFamily="34" charset="0"/>
+              <a:buNone/>
+              <a:defRPr sz="1600" kern="1200">
+                <a:solidFill>
+                  <a:schemeClr val="tx1"/>
+                </a:solidFill>
+                <a:latin typeface="+mn-lt"/>
+                <a:ea typeface="+mn-ea"/>
+                <a:cs typeface="+mn-cs"/>
+              </a:defRPr>
+            </a:lvl5pPr>
+            <a:lvl6pPr marL="2286000" indent="0" algn="ctr" defTabSz="914400" rtl="0" eaLnBrk="1" latinLnBrk="0" hangingPunct="1">
+              <a:lnSpc>
+                <a:spcPct val="90000"/>
+              </a:lnSpc>
+              <a:spcBef>
+                <a:spcPts val="500"/>
+              </a:spcBef>
+              <a:buFont typeface="Arial" panose="020B0604020202020204" pitchFamily="34" charset="0"/>
+              <a:buNone/>
+              <a:defRPr sz="1600" kern="1200">
+                <a:solidFill>
+                  <a:schemeClr val="tx1"/>
+                </a:solidFill>
+                <a:latin typeface="+mn-lt"/>
+                <a:ea typeface="+mn-ea"/>
+                <a:cs typeface="+mn-cs"/>
+              </a:defRPr>
+            </a:lvl6pPr>
+            <a:lvl7pPr marL="2743200" indent="0" algn="ctr" defTabSz="914400" rtl="0" eaLnBrk="1" latinLnBrk="0" hangingPunct="1">
+              <a:lnSpc>
+                <a:spcPct val="90000"/>
+              </a:lnSpc>
+              <a:spcBef>
+                <a:spcPts val="500"/>
+              </a:spcBef>
+              <a:buFont typeface="Arial" panose="020B0604020202020204" pitchFamily="34" charset="0"/>
+              <a:buNone/>
+              <a:defRPr sz="1600" kern="1200">
+                <a:solidFill>
+                  <a:schemeClr val="tx1"/>
+                </a:solidFill>
+                <a:latin typeface="+mn-lt"/>
+                <a:ea typeface="+mn-ea"/>
+                <a:cs typeface="+mn-cs"/>
+              </a:defRPr>
+            </a:lvl7pPr>
+            <a:lvl8pPr marL="3200400" indent="0" algn="ctr" defTabSz="914400" rtl="0" eaLnBrk="1" latinLnBrk="0" hangingPunct="1">
+              <a:lnSpc>
+                <a:spcPct val="90000"/>
+              </a:lnSpc>
+              <a:spcBef>
+                <a:spcPts val="500"/>
+              </a:spcBef>
+              <a:buFont typeface="Arial" panose="020B0604020202020204" pitchFamily="34" charset="0"/>
+              <a:buNone/>
+              <a:defRPr sz="1600" kern="1200">
+                <a:solidFill>
+                  <a:schemeClr val="tx1"/>
+                </a:solidFill>
+                <a:latin typeface="+mn-lt"/>
+                <a:ea typeface="+mn-ea"/>
+                <a:cs typeface="+mn-cs"/>
+              </a:defRPr>
+            </a:lvl8pPr>
+            <a:lvl9pPr marL="3657600" indent="0" algn="ctr" defTabSz="914400" rtl="0" eaLnBrk="1" latinLnBrk="0" hangingPunct="1">
+              <a:lnSpc>
+                <a:spcPct val="90000"/>
+              </a:lnSpc>
+              <a:spcBef>
+                <a:spcPts val="500"/>
+              </a:spcBef>
+              <a:buFont typeface="Arial" panose="020B0604020202020204" pitchFamily="34" charset="0"/>
+              <a:buNone/>
+              <a:defRPr sz="1600" kern="1200">
+                <a:solidFill>
+                  <a:schemeClr val="tx1"/>
+                </a:solidFill>
+                <a:latin typeface="+mn-lt"/>
+                <a:ea typeface="+mn-ea"/>
+                <a:cs typeface="+mn-cs"/>
+              </a:defRPr>
+            </a:lvl9pPr>
+          </a:lstStyle>
+          <a:p>
+            <a:pPr algn="l"/>
+            <a:endParaRPr lang="ru-RU" dirty="0"/>
+          </a:p>
+        </p:txBody>
+      </p:sp>
+      <p:pic>
+        <p:nvPicPr>
+          <p:cNvPr id="2" name="Рисунок 1"/>
+          <p:cNvPicPr>
+            <a:picLocks noChangeAspect="1"/>
+          </p:cNvPicPr>
+          <p:nvPr/>
+        </p:nvPicPr>
+        <p:blipFill rotWithShape="1">
+          <a:blip r:embed="rId3" cstate="print">
+            <a:extLst>
+              <a:ext uri="{28A0092B-C50C-407E-A947-70E740481C1C}">
+                <a14:useLocalDpi xmlns:a14="http://schemas.microsoft.com/office/drawing/2010/main" val="0"/>
+              </a:ext>
+            </a:extLst>
+          </a:blip>
+          <a:srcRect r="18039"/>
+          <a:stretch/>
+        </p:blipFill>
+        <p:spPr>
+          <a:xfrm>
+            <a:off x="7087160" y="591126"/>
+            <a:ext cx="5104840" cy="6224495"/>
+          </a:xfrm>
+          <a:prstGeom prst="rect">
+            <a:avLst/>
+          </a:prstGeom>
+        </p:spPr>
+      </p:pic>
+      <p:pic>
+        <p:nvPicPr>
+          <p:cNvPr id="5" name="Рисунок 4">
+            <a:extLst>
+              <a:ext uri="{FF2B5EF4-FFF2-40B4-BE49-F238E27FC236}">
+                <a16:creationId xmlns:a16="http://schemas.microsoft.com/office/drawing/2014/main" id="{303A7B84-FE04-4FCC-9EE4-DA213DE891E4}"/>
+              </a:ext>
+            </a:extLst>
+          </p:cNvPr>
+          <p:cNvPicPr>
+            <a:picLocks noChangeAspect="1"/>
+          </p:cNvPicPr>
+          <p:nvPr/>
+        </p:nvPicPr>
+        <p:blipFill rotWithShape="1">
+          <a:blip r:embed="rId4"/>
+          <a:srcRect l="2372" t="11323" r="1619" b="3905"/>
+          <a:stretch/>
+        </p:blipFill>
+        <p:spPr>
+          <a:xfrm>
+            <a:off x="319595" y="3822245"/>
+            <a:ext cx="4536489" cy="1090216"/>
+          </a:xfrm>
+          <a:prstGeom prst="rect">
+            <a:avLst/>
+          </a:prstGeom>
+          <a:solidFill>
+            <a:srgbClr val="FFFFFF">
+              <a:shade val="85000"/>
+            </a:srgbClr>
+          </a:solidFill>
+          <a:ln w="88900" cap="sq">
+            <a:solidFill>
+              <a:srgbClr val="FFFFFF"/>
+            </a:solidFill>
+            <a:miter lim="800000"/>
+          </a:ln>
+          <a:effectLst>
+            <a:outerShdw blurRad="55000" dist="18000" dir="5400000" algn="tl" rotWithShape="0">
+              <a:srgbClr val="000000">
+                <a:alpha val="40000"/>
+              </a:srgbClr>
+            </a:outerShdw>
+          </a:effectLst>
+          <a:scene3d>
+            <a:camera prst="orthographicFront"/>
+            <a:lightRig rig="twoPt" dir="t">
+              <a:rot lat="0" lon="0" rev="7200000"/>
+            </a:lightRig>
+          </a:scene3d>
+          <a:sp3d>
+            <a:bevelT w="25400" h="19050"/>
+            <a:contourClr>
+              <a:srgbClr val="FFFFFF"/>
+            </a:contourClr>
+          </a:sp3d>
+        </p:spPr>
+      </p:pic>
+      <p:pic>
+        <p:nvPicPr>
+          <p:cNvPr id="7" name="Рисунок 6">
+            <a:extLst>
+              <a:ext uri="{FF2B5EF4-FFF2-40B4-BE49-F238E27FC236}">
+                <a16:creationId xmlns:a16="http://schemas.microsoft.com/office/drawing/2014/main" id="{BC39D0B9-4D7F-4CF5-9CDF-8AEFF635747A}"/>
+              </a:ext>
+            </a:extLst>
+          </p:cNvPr>
+          <p:cNvPicPr>
+            <a:picLocks noChangeAspect="1"/>
+          </p:cNvPicPr>
+          <p:nvPr/>
+        </p:nvPicPr>
+        <p:blipFill rotWithShape="1">
+          <a:blip r:embed="rId5"/>
+          <a:srcRect l="1965" t="9839" r="2026" b="5616"/>
+          <a:stretch/>
+        </p:blipFill>
+        <p:spPr>
+          <a:xfrm>
+            <a:off x="319595" y="5301706"/>
+            <a:ext cx="4536490" cy="1090216"/>
+          </a:xfrm>
+          <a:prstGeom prst="rect">
+            <a:avLst/>
+          </a:prstGeom>
+          <a:solidFill>
+            <a:srgbClr val="FFFFFF">
+              <a:shade val="85000"/>
+            </a:srgbClr>
+          </a:solidFill>
+          <a:ln w="88900" cap="sq">
+            <a:solidFill>
+              <a:srgbClr val="FFFFFF"/>
+            </a:solidFill>
+            <a:miter lim="800000"/>
+          </a:ln>
+          <a:effectLst>
+            <a:outerShdw blurRad="55000" dist="18000" dir="5400000" algn="tl" rotWithShape="0">
+              <a:srgbClr val="000000">
+                <a:alpha val="40000"/>
+              </a:srgbClr>
+            </a:outerShdw>
+          </a:effectLst>
+          <a:scene3d>
+            <a:camera prst="orthographicFront"/>
+            <a:lightRig rig="twoPt" dir="t">
+              <a:rot lat="0" lon="0" rev="7200000"/>
+            </a:lightRig>
+          </a:scene3d>
+          <a:sp3d>
+            <a:bevelT w="25400" h="19050"/>
+            <a:contourClr>
+              <a:srgbClr val="FFFFFF"/>
+            </a:contourClr>
+          </a:sp3d>
+        </p:spPr>
+      </p:pic>
+      <p:sp>
+        <p:nvSpPr>
+          <p:cNvPr id="14" name="Прямоугольник 13">
+            <a:extLst>
+              <a:ext uri="{FF2B5EF4-FFF2-40B4-BE49-F238E27FC236}">
+                <a16:creationId xmlns:a16="http://schemas.microsoft.com/office/drawing/2014/main" id="{F6541F1D-A263-47DD-9D4F-25451E99914C}"/>
+              </a:ext>
+            </a:extLst>
+          </p:cNvPr>
+          <p:cNvSpPr/>
+          <p:nvPr/>
+        </p:nvSpPr>
+        <p:spPr>
+          <a:xfrm>
+            <a:off x="434951" y="1801785"/>
+            <a:ext cx="7128824" cy="1631216"/>
+          </a:xfrm>
+          <a:prstGeom prst="rect">
+            <a:avLst/>
+          </a:prstGeom>
+        </p:spPr>
+        <p:txBody>
+          <a:bodyPr wrap="square">
+            <a:spAutoFit/>
+          </a:bodyPr>
+          <a:lstStyle/>
+          <a:p>
+            <a:pPr marL="285750" indent="-285750">
+              <a:buClr>
+                <a:srgbClr val="7030A0"/>
+              </a:buClr>
+              <a:buFont typeface="Calibri" panose="020F0502020204030204" pitchFamily="34" charset="0"/>
+              <a:buChar char="―"/>
+            </a:pPr>
+            <a:r>
+              <a:rPr lang="ru-RU" sz="2000" dirty="0">
+                <a:solidFill>
+                  <a:srgbClr val="000000"/>
+                </a:solidFill>
+                <a:latin typeface="Calibri" panose="020F0502020204030204" pitchFamily="34" charset="0"/>
+              </a:rPr>
+              <a:t>При успешной покупке места выводится уведомление о успешной покупке</a:t>
+            </a:r>
+          </a:p>
+          <a:p>
+            <a:pPr marL="285750" indent="-285750">
+              <a:buClr>
+                <a:srgbClr val="7030A0"/>
+              </a:buClr>
+              <a:buFont typeface="Calibri" panose="020F0502020204030204" pitchFamily="34" charset="0"/>
+              <a:buChar char="―"/>
+            </a:pPr>
+            <a:r>
+              <a:rPr lang="ru-RU" sz="2000" dirty="0">
+                <a:solidFill>
+                  <a:srgbClr val="000000"/>
+                </a:solidFill>
+                <a:latin typeface="Calibri" panose="020F0502020204030204" pitchFamily="34" charset="0"/>
+              </a:rPr>
+              <a:t>При неудачной покупке места (место уже занято) выводится уведомление об ошибке</a:t>
+            </a:r>
+          </a:p>
+          <a:p>
+            <a:pPr marL="285750" indent="-285750">
+              <a:buClr>
+                <a:srgbClr val="7030A0"/>
+              </a:buClr>
+              <a:buFont typeface="Calibri" panose="020F0502020204030204" pitchFamily="34" charset="0"/>
+              <a:buChar char="―"/>
+            </a:pPr>
+            <a:endParaRPr lang="ru-RU" sz="2000" dirty="0">
+              <a:solidFill>
+                <a:srgbClr val="000000"/>
+              </a:solidFill>
+              <a:latin typeface="Calibri" panose="020F0502020204030204" pitchFamily="34" charset="0"/>
+            </a:endParaRPr>
+          </a:p>
+        </p:txBody>
+      </p:sp>
+    </p:spTree>
+    <p:extLst>
+      <p:ext uri="{BB962C8B-B14F-4D97-AF65-F5344CB8AC3E}">
+        <p14:creationId xmlns:p14="http://schemas.microsoft.com/office/powerpoint/2010/main" val="1567070632"/>
+      </p:ext>
+    </p:extLst>
+  </p:cSld>
+  <p:clrMapOvr>
+    <a:masterClrMapping/>
+  </p:clrMapOvr>
+</p:sld>
+</file>
+
+<file path=ppt/slides/slide11.xml><?xml version="1.0" encoding="utf-8"?>
+<p:sld xmlns:a="http://schemas.openxmlformats.org/drawingml/2006/main" xmlns:r="http://schemas.openxmlformats.org/officeDocument/2006/relationships" xmlns:p="http://schemas.openxmlformats.org/presentationml/2006/main">
+  <p:cSld>
+    <p:spTree>
+      <p:nvGrpSpPr>
+        <p:cNvPr id="1" name=""/>
+        <p:cNvGrpSpPr/>
+        <p:nvPr/>
+      </p:nvGrpSpPr>
+      <p:grpSpPr>
+        <a:xfrm>
+          <a:off x="0" y="0"/>
+          <a:ext cx="0" cy="0"/>
+          <a:chOff x="0" y="0"/>
+          <a:chExt cx="0" cy="0"/>
+        </a:xfrm>
+      </p:grpSpPr>
+      <p:pic>
+        <p:nvPicPr>
+          <p:cNvPr id="18" name="Рисунок 17">
+            <a:extLst>
+              <a:ext uri="{FF2B5EF4-FFF2-40B4-BE49-F238E27FC236}">
+                <a16:creationId xmlns:a16="http://schemas.microsoft.com/office/drawing/2014/main" id="{A517330B-6506-4403-9411-ABE882A3905A}"/>
+              </a:ext>
+            </a:extLst>
+          </p:cNvPr>
+          <p:cNvPicPr>
+            <a:picLocks noChangeAspect="1"/>
+          </p:cNvPicPr>
+          <p:nvPr/>
+        </p:nvPicPr>
+        <p:blipFill>
+          <a:blip r:embed="rId2" cstate="print">
+            <a:extLst>
+              <a:ext uri="{28A0092B-C50C-407E-A947-70E740481C1C}">
+                <a14:useLocalDpi xmlns:a14="http://schemas.microsoft.com/office/drawing/2010/main" val="0"/>
+              </a:ext>
+            </a:extLst>
+          </a:blip>
+          <a:stretch>
+            <a:fillRect/>
+          </a:stretch>
+        </p:blipFill>
+        <p:spPr>
+          <a:xfrm>
+            <a:off x="434951" y="393646"/>
+            <a:ext cx="1552134" cy="620696"/>
+          </a:xfrm>
+          <a:prstGeom prst="rect">
+            <a:avLst/>
+          </a:prstGeom>
+        </p:spPr>
+      </p:pic>
+      <p:sp>
+        <p:nvSpPr>
+          <p:cNvPr id="13" name="Заголовок 1"/>
+          <p:cNvSpPr txBox="1">
+            <a:spLocks/>
+          </p:cNvSpPr>
+          <p:nvPr/>
+        </p:nvSpPr>
+        <p:spPr>
+          <a:xfrm>
+            <a:off x="10914444" y="503673"/>
+            <a:ext cx="926575" cy="423621"/>
+          </a:xfrm>
+          <a:prstGeom prst="rect">
+            <a:avLst/>
+          </a:prstGeom>
+        </p:spPr>
+        <p:txBody>
+          <a:bodyPr vert="horz" lIns="0" tIns="0" rIns="0" bIns="0" rtlCol="0" anchor="ctr">
+            <a:normAutofit fontScale="97500"/>
+          </a:bodyPr>
+          <a:lstStyle/>
+          <a:p>
+            <a:r>
+              <a:rPr lang="en-US" dirty="0">
+                <a:solidFill>
+                  <a:schemeClr val="bg1">
+                    <a:lumMod val="85000"/>
+                  </a:schemeClr>
+                </a:solidFill>
+                <a:latin typeface="Arial" panose="020B0604020202020204" pitchFamily="34" charset="0"/>
+                <a:cs typeface="Arial" panose="020B0604020202020204" pitchFamily="34" charset="0"/>
+              </a:rPr>
+              <a:t>guap.ru</a:t>
+            </a:r>
+            <a:endParaRPr lang="ru-RU" dirty="0">
+              <a:solidFill>
+                <a:schemeClr val="bg1">
+                  <a:lumMod val="85000"/>
+                </a:schemeClr>
+              </a:solidFill>
+              <a:latin typeface="Arial" panose="020B0604020202020204" pitchFamily="34" charset="0"/>
+              <a:cs typeface="Arial" panose="020B0604020202020204" pitchFamily="34" charset="0"/>
+            </a:endParaRPr>
+          </a:p>
+        </p:txBody>
+      </p:sp>
+      <p:sp>
+        <p:nvSpPr>
+          <p:cNvPr id="8" name="TextBox 7"/>
+          <p:cNvSpPr txBox="1"/>
+          <p:nvPr/>
+        </p:nvSpPr>
+        <p:spPr>
+          <a:xfrm>
+            <a:off x="2246772" y="115318"/>
+            <a:ext cx="9414443" cy="1200329"/>
+          </a:xfrm>
+          <a:prstGeom prst="rect">
+            <a:avLst/>
+          </a:prstGeom>
+          <a:noFill/>
+        </p:spPr>
+        <p:txBody>
+          <a:bodyPr wrap="square" rtlCol="0">
+            <a:spAutoFit/>
+          </a:bodyPr>
+          <a:lstStyle/>
+          <a:p>
+            <a:r>
+              <a:rPr lang="ru-RU" sz="3600" b="1" dirty="0">
+                <a:solidFill>
+                  <a:srgbClr val="002060"/>
+                </a:solidFill>
+                <a:latin typeface="Arial" panose="020B0604020202020204" pitchFamily="34" charset="0"/>
+                <a:cs typeface="Arial" panose="020B0604020202020204" pitchFamily="34" charset="0"/>
+              </a:rPr>
+              <a:t>Примеры интерфейса разработанной программы. </a:t>
+            </a:r>
+            <a:r>
+              <a:rPr lang="en-US" sz="3600" b="1" dirty="0">
+                <a:solidFill>
+                  <a:srgbClr val="002060"/>
+                </a:solidFill>
+                <a:latin typeface="Arial" panose="020B0604020202020204" pitchFamily="34" charset="0"/>
+                <a:cs typeface="Arial" panose="020B0604020202020204" pitchFamily="34" charset="0"/>
+              </a:rPr>
+              <a:t>REST API</a:t>
+            </a:r>
+            <a:r>
+              <a:rPr lang="ru-RU" sz="3600" b="1" dirty="0">
+                <a:solidFill>
+                  <a:srgbClr val="002060"/>
+                </a:solidFill>
+                <a:latin typeface="Arial" panose="020B0604020202020204" pitchFamily="34" charset="0"/>
+                <a:cs typeface="Arial" panose="020B0604020202020204" pitchFamily="34" charset="0"/>
+              </a:rPr>
+              <a:t>.</a:t>
+            </a:r>
+          </a:p>
+        </p:txBody>
+      </p:sp>
+      <p:sp>
+        <p:nvSpPr>
+          <p:cNvPr id="9" name="Объект 2"/>
+          <p:cNvSpPr txBox="1">
+            <a:spLocks/>
+          </p:cNvSpPr>
+          <p:nvPr/>
+        </p:nvSpPr>
+        <p:spPr>
+          <a:xfrm>
+            <a:off x="434951" y="2731668"/>
+            <a:ext cx="10617362" cy="3457097"/>
+          </a:xfrm>
+          <a:prstGeom prst="rect">
+            <a:avLst/>
+          </a:prstGeom>
+        </p:spPr>
+        <p:txBody>
+          <a:bodyPr vert="horz" lIns="91440" tIns="45720" rIns="91440" bIns="45720" rtlCol="0">
+            <a:normAutofit/>
+          </a:bodyPr>
+          <a:lstStyle>
+            <a:lvl1pPr marL="0" indent="0" algn="ctr" defTabSz="914400" rtl="0" eaLnBrk="1" latinLnBrk="0" hangingPunct="1">
+              <a:lnSpc>
+                <a:spcPct val="90000"/>
+              </a:lnSpc>
+              <a:spcBef>
+                <a:spcPts val="1000"/>
+              </a:spcBef>
+              <a:buFont typeface="Arial" panose="020B0604020202020204" pitchFamily="34" charset="0"/>
+              <a:buNone/>
+              <a:defRPr sz="2400" kern="1200">
+                <a:solidFill>
+                  <a:schemeClr val="tx1"/>
+                </a:solidFill>
+                <a:latin typeface="+mn-lt"/>
+                <a:ea typeface="+mn-ea"/>
+                <a:cs typeface="+mn-cs"/>
+              </a:defRPr>
+            </a:lvl1pPr>
+            <a:lvl2pPr marL="457200" indent="0" algn="ctr" defTabSz="914400" rtl="0" eaLnBrk="1" latinLnBrk="0" hangingPunct="1">
+              <a:lnSpc>
+                <a:spcPct val="90000"/>
+              </a:lnSpc>
+              <a:spcBef>
+                <a:spcPts val="500"/>
+              </a:spcBef>
+              <a:buFont typeface="Arial" panose="020B0604020202020204" pitchFamily="34" charset="0"/>
+              <a:buNone/>
+              <a:defRPr sz="2000" kern="1200">
+                <a:solidFill>
+                  <a:schemeClr val="tx1"/>
+                </a:solidFill>
+                <a:latin typeface="+mn-lt"/>
+                <a:ea typeface="+mn-ea"/>
+                <a:cs typeface="+mn-cs"/>
+              </a:defRPr>
+            </a:lvl2pPr>
+            <a:lvl3pPr marL="914400" indent="0" algn="ctr" defTabSz="914400" rtl="0" eaLnBrk="1" latinLnBrk="0" hangingPunct="1">
+              <a:lnSpc>
+                <a:spcPct val="90000"/>
+              </a:lnSpc>
+              <a:spcBef>
+                <a:spcPts val="500"/>
+              </a:spcBef>
+              <a:buFont typeface="Arial" panose="020B0604020202020204" pitchFamily="34" charset="0"/>
+              <a:buNone/>
+              <a:defRPr sz="1800" kern="1200">
+                <a:solidFill>
+                  <a:schemeClr val="tx1"/>
+                </a:solidFill>
+                <a:latin typeface="+mn-lt"/>
+                <a:ea typeface="+mn-ea"/>
+                <a:cs typeface="+mn-cs"/>
+              </a:defRPr>
+            </a:lvl3pPr>
+            <a:lvl4pPr marL="1371600" indent="0" algn="ctr" defTabSz="914400" rtl="0" eaLnBrk="1" latinLnBrk="0" hangingPunct="1">
+              <a:lnSpc>
+                <a:spcPct val="90000"/>
+              </a:lnSpc>
+              <a:spcBef>
+                <a:spcPts val="500"/>
+              </a:spcBef>
+              <a:buFont typeface="Arial" panose="020B0604020202020204" pitchFamily="34" charset="0"/>
+              <a:buNone/>
+              <a:defRPr sz="1600" kern="1200">
+                <a:solidFill>
+                  <a:schemeClr val="tx1"/>
+                </a:solidFill>
+                <a:latin typeface="+mn-lt"/>
+                <a:ea typeface="+mn-ea"/>
+                <a:cs typeface="+mn-cs"/>
+              </a:defRPr>
+            </a:lvl4pPr>
+            <a:lvl5pPr marL="1828800" indent="0" algn="ctr" defTabSz="914400" rtl="0" eaLnBrk="1" latinLnBrk="0" hangingPunct="1">
+              <a:lnSpc>
+                <a:spcPct val="90000"/>
+              </a:lnSpc>
+              <a:spcBef>
+                <a:spcPts val="500"/>
+              </a:spcBef>
+              <a:buFont typeface="Arial" panose="020B0604020202020204" pitchFamily="34" charset="0"/>
+              <a:buNone/>
+              <a:defRPr sz="1600" kern="1200">
+                <a:solidFill>
+                  <a:schemeClr val="tx1"/>
+                </a:solidFill>
+                <a:latin typeface="+mn-lt"/>
+                <a:ea typeface="+mn-ea"/>
+                <a:cs typeface="+mn-cs"/>
+              </a:defRPr>
+            </a:lvl5pPr>
+            <a:lvl6pPr marL="2286000" indent="0" algn="ctr" defTabSz="914400" rtl="0" eaLnBrk="1" latinLnBrk="0" hangingPunct="1">
+              <a:lnSpc>
+                <a:spcPct val="90000"/>
+              </a:lnSpc>
+              <a:spcBef>
+                <a:spcPts val="500"/>
+              </a:spcBef>
+              <a:buFont typeface="Arial" panose="020B0604020202020204" pitchFamily="34" charset="0"/>
+              <a:buNone/>
+              <a:defRPr sz="1600" kern="1200">
+                <a:solidFill>
+                  <a:schemeClr val="tx1"/>
+                </a:solidFill>
+                <a:latin typeface="+mn-lt"/>
+                <a:ea typeface="+mn-ea"/>
+                <a:cs typeface="+mn-cs"/>
+              </a:defRPr>
+            </a:lvl6pPr>
+            <a:lvl7pPr marL="2743200" indent="0" algn="ctr" defTabSz="914400" rtl="0" eaLnBrk="1" latinLnBrk="0" hangingPunct="1">
+              <a:lnSpc>
+                <a:spcPct val="90000"/>
+              </a:lnSpc>
+              <a:spcBef>
+                <a:spcPts val="500"/>
+              </a:spcBef>
+              <a:buFont typeface="Arial" panose="020B0604020202020204" pitchFamily="34" charset="0"/>
+              <a:buNone/>
+              <a:defRPr sz="1600" kern="1200">
+                <a:solidFill>
+                  <a:schemeClr val="tx1"/>
+                </a:solidFill>
+                <a:latin typeface="+mn-lt"/>
+                <a:ea typeface="+mn-ea"/>
+                <a:cs typeface="+mn-cs"/>
+              </a:defRPr>
+            </a:lvl7pPr>
+            <a:lvl8pPr marL="3200400" indent="0" algn="ctr" defTabSz="914400" rtl="0" eaLnBrk="1" latinLnBrk="0" hangingPunct="1">
+              <a:lnSpc>
+                <a:spcPct val="90000"/>
+              </a:lnSpc>
+              <a:spcBef>
+                <a:spcPts val="500"/>
+              </a:spcBef>
+              <a:buFont typeface="Arial" panose="020B0604020202020204" pitchFamily="34" charset="0"/>
+              <a:buNone/>
+              <a:defRPr sz="1600" kern="1200">
+                <a:solidFill>
+                  <a:schemeClr val="tx1"/>
+                </a:solidFill>
+                <a:latin typeface="+mn-lt"/>
+                <a:ea typeface="+mn-ea"/>
+                <a:cs typeface="+mn-cs"/>
+              </a:defRPr>
+            </a:lvl8pPr>
+            <a:lvl9pPr marL="3657600" indent="0" algn="ctr" defTabSz="914400" rtl="0" eaLnBrk="1" latinLnBrk="0" hangingPunct="1">
+              <a:lnSpc>
+                <a:spcPct val="90000"/>
+              </a:lnSpc>
+              <a:spcBef>
+                <a:spcPts val="500"/>
+              </a:spcBef>
+              <a:buFont typeface="Arial" panose="020B0604020202020204" pitchFamily="34" charset="0"/>
+              <a:buNone/>
+              <a:defRPr sz="1600" kern="1200">
+                <a:solidFill>
+                  <a:schemeClr val="tx1"/>
+                </a:solidFill>
+                <a:latin typeface="+mn-lt"/>
+                <a:ea typeface="+mn-ea"/>
+                <a:cs typeface="+mn-cs"/>
+              </a:defRPr>
+            </a:lvl9pPr>
+          </a:lstStyle>
+          <a:p>
+            <a:pPr algn="l"/>
+            <a:endParaRPr lang="ru-RU" dirty="0"/>
+          </a:p>
+        </p:txBody>
+      </p:sp>
+      <p:pic>
+        <p:nvPicPr>
+          <p:cNvPr id="2" name="Рисунок 1"/>
+          <p:cNvPicPr>
+            <a:picLocks noChangeAspect="1"/>
+          </p:cNvPicPr>
+          <p:nvPr/>
+        </p:nvPicPr>
+        <p:blipFill rotWithShape="1">
+          <a:blip r:embed="rId3" cstate="print">
+            <a:extLst>
+              <a:ext uri="{28A0092B-C50C-407E-A947-70E740481C1C}">
+                <a14:useLocalDpi xmlns:a14="http://schemas.microsoft.com/office/drawing/2010/main" val="0"/>
+              </a:ext>
+            </a:extLst>
+          </a:blip>
+          <a:srcRect r="18039"/>
+          <a:stretch/>
+        </p:blipFill>
+        <p:spPr>
+          <a:xfrm>
+            <a:off x="7087160" y="591126"/>
+            <a:ext cx="5104840" cy="6224495"/>
+          </a:xfrm>
+          <a:prstGeom prst="rect">
+            <a:avLst/>
+          </a:prstGeom>
+        </p:spPr>
+      </p:pic>
+      <p:pic>
+        <p:nvPicPr>
+          <p:cNvPr id="4" name="Рисунок 3">
+            <a:extLst>
+              <a:ext uri="{FF2B5EF4-FFF2-40B4-BE49-F238E27FC236}">
+                <a16:creationId xmlns:a16="http://schemas.microsoft.com/office/drawing/2014/main" id="{6730E5D1-61C8-4E21-A99E-79A3A38D76E8}"/>
+              </a:ext>
+            </a:extLst>
+          </p:cNvPr>
+          <p:cNvPicPr>
+            <a:picLocks noChangeAspect="1"/>
+          </p:cNvPicPr>
+          <p:nvPr/>
+        </p:nvPicPr>
+        <p:blipFill>
+          <a:blip r:embed="rId4"/>
+          <a:stretch>
+            <a:fillRect/>
+          </a:stretch>
+        </p:blipFill>
+        <p:spPr>
+          <a:xfrm>
+            <a:off x="245931" y="1415717"/>
+            <a:ext cx="4421035" cy="3662309"/>
+          </a:xfrm>
+          <a:prstGeom prst="rect">
+            <a:avLst/>
+          </a:prstGeom>
+          <a:solidFill>
+            <a:srgbClr val="FFFFFF">
+              <a:shade val="85000"/>
+            </a:srgbClr>
+          </a:solidFill>
+          <a:ln w="88900" cap="sq">
+            <a:solidFill>
+              <a:srgbClr val="FFFFFF"/>
+            </a:solidFill>
+            <a:miter lim="800000"/>
+          </a:ln>
+          <a:effectLst>
+            <a:outerShdw blurRad="55000" dist="18000" dir="5400000" algn="tl" rotWithShape="0">
+              <a:srgbClr val="000000">
+                <a:alpha val="40000"/>
+              </a:srgbClr>
+            </a:outerShdw>
+          </a:effectLst>
+          <a:scene3d>
+            <a:camera prst="orthographicFront"/>
+            <a:lightRig rig="twoPt" dir="t">
+              <a:rot lat="0" lon="0" rev="7200000"/>
+            </a:lightRig>
+          </a:scene3d>
+          <a:sp3d>
+            <a:bevelT w="25400" h="19050"/>
+            <a:contourClr>
+              <a:srgbClr val="FFFFFF"/>
+            </a:contourClr>
+          </a:sp3d>
+        </p:spPr>
+      </p:pic>
+      <p:pic>
+        <p:nvPicPr>
+          <p:cNvPr id="10" name="Рисунок 9">
+            <a:extLst>
+              <a:ext uri="{FF2B5EF4-FFF2-40B4-BE49-F238E27FC236}">
+                <a16:creationId xmlns:a16="http://schemas.microsoft.com/office/drawing/2014/main" id="{00D81C85-570E-4A1D-978D-D4AC3C088511}"/>
+              </a:ext>
+            </a:extLst>
+          </p:cNvPr>
+          <p:cNvPicPr>
+            <a:picLocks noChangeAspect="1"/>
+          </p:cNvPicPr>
+          <p:nvPr/>
+        </p:nvPicPr>
+        <p:blipFill>
+          <a:blip r:embed="rId5"/>
+          <a:stretch>
+            <a:fillRect/>
+          </a:stretch>
+        </p:blipFill>
+        <p:spPr>
+          <a:xfrm>
+            <a:off x="4967401" y="3237735"/>
+            <a:ext cx="4835780" cy="3457097"/>
+          </a:xfrm>
+          <a:prstGeom prst="rect">
+            <a:avLst/>
+          </a:prstGeom>
+          <a:solidFill>
+            <a:srgbClr val="FFFFFF">
+              <a:shade val="85000"/>
+            </a:srgbClr>
+          </a:solidFill>
+          <a:ln w="88900" cap="sq">
+            <a:solidFill>
+              <a:srgbClr val="FFFFFF"/>
+            </a:solidFill>
+            <a:miter lim="800000"/>
+          </a:ln>
+          <a:effectLst>
+            <a:outerShdw blurRad="55000" dist="18000" dir="5400000" algn="tl" rotWithShape="0">
+              <a:srgbClr val="000000">
+                <a:alpha val="40000"/>
+              </a:srgbClr>
+            </a:outerShdw>
+          </a:effectLst>
+          <a:scene3d>
+            <a:camera prst="orthographicFront"/>
+            <a:lightRig rig="twoPt" dir="t">
+              <a:rot lat="0" lon="0" rev="7200000"/>
+            </a:lightRig>
+          </a:scene3d>
+          <a:sp3d>
+            <a:bevelT w="25400" h="19050"/>
+            <a:contourClr>
+              <a:srgbClr val="FFFFFF"/>
+            </a:contourClr>
+          </a:sp3d>
+        </p:spPr>
+      </p:pic>
+    </p:spTree>
+    <p:extLst>
+      <p:ext uri="{BB962C8B-B14F-4D97-AF65-F5344CB8AC3E}">
+        <p14:creationId xmlns:p14="http://schemas.microsoft.com/office/powerpoint/2010/main" val="1877708356"/>
+      </p:ext>
+    </p:extLst>
+  </p:cSld>
+  <p:clrMapOvr>
+    <a:masterClrMapping/>
+  </p:clrMapOvr>
+</p:sld>
+</file>
+
+<file path=ppt/slides/slide12.xml><?xml version="1.0" encoding="utf-8"?>
+<p:sld xmlns:a="http://schemas.openxmlformats.org/drawingml/2006/main" xmlns:r="http://schemas.openxmlformats.org/officeDocument/2006/relationships" xmlns:p="http://schemas.openxmlformats.org/presentationml/2006/main">
+  <p:cSld>
+    <p:spTree>
+      <p:nvGrpSpPr>
+        <p:cNvPr id="1" name=""/>
+        <p:cNvGrpSpPr/>
+        <p:nvPr/>
+      </p:nvGrpSpPr>
+      <p:grpSpPr>
+        <a:xfrm>
+          <a:off x="0" y="0"/>
+          <a:ext cx="0" cy="0"/>
+          <a:chOff x="0" y="0"/>
+          <a:chExt cx="0" cy="0"/>
+        </a:xfrm>
+      </p:grpSpPr>
+      <p:pic>
+        <p:nvPicPr>
+          <p:cNvPr id="18" name="Рисунок 17">
+            <a:extLst>
+              <a:ext uri="{FF2B5EF4-FFF2-40B4-BE49-F238E27FC236}">
+                <a16:creationId xmlns:a16="http://schemas.microsoft.com/office/drawing/2014/main" id="{A517330B-6506-4403-9411-ABE882A3905A}"/>
+              </a:ext>
+            </a:extLst>
+          </p:cNvPr>
+          <p:cNvPicPr>
+            <a:picLocks noChangeAspect="1"/>
+          </p:cNvPicPr>
+          <p:nvPr/>
+        </p:nvPicPr>
+        <p:blipFill>
+          <a:blip r:embed="rId2" cstate="print">
+            <a:extLst>
+              <a:ext uri="{28A0092B-C50C-407E-A947-70E740481C1C}">
+                <a14:useLocalDpi xmlns:a14="http://schemas.microsoft.com/office/drawing/2010/main" val="0"/>
+              </a:ext>
+            </a:extLst>
+          </a:blip>
+          <a:stretch>
+            <a:fillRect/>
+          </a:stretch>
+        </p:blipFill>
+        <p:spPr>
+          <a:xfrm>
+            <a:off x="434951" y="393646"/>
+            <a:ext cx="1552134" cy="620696"/>
+          </a:xfrm>
+          <a:prstGeom prst="rect">
+            <a:avLst/>
+          </a:prstGeom>
+        </p:spPr>
+      </p:pic>
+      <p:sp>
+        <p:nvSpPr>
+          <p:cNvPr id="13" name="Заголовок 1"/>
+          <p:cNvSpPr txBox="1">
+            <a:spLocks/>
+          </p:cNvSpPr>
+          <p:nvPr/>
+        </p:nvSpPr>
+        <p:spPr>
+          <a:xfrm>
+            <a:off x="10914444" y="503673"/>
+            <a:ext cx="926575" cy="423621"/>
+          </a:xfrm>
+          <a:prstGeom prst="rect">
+            <a:avLst/>
+          </a:prstGeom>
+        </p:spPr>
+        <p:txBody>
+          <a:bodyPr vert="horz" lIns="0" tIns="0" rIns="0" bIns="0" rtlCol="0" anchor="ctr">
+            <a:normAutofit fontScale="97500"/>
+          </a:bodyPr>
+          <a:lstStyle/>
+          <a:p>
+            <a:r>
+              <a:rPr lang="en-US" dirty="0">
+                <a:solidFill>
+                  <a:schemeClr val="bg1">
+                    <a:lumMod val="85000"/>
+                  </a:schemeClr>
+                </a:solidFill>
+                <a:latin typeface="Arial" panose="020B0604020202020204" pitchFamily="34" charset="0"/>
+                <a:cs typeface="Arial" panose="020B0604020202020204" pitchFamily="34" charset="0"/>
+              </a:rPr>
+              <a:t>guap.ru</a:t>
+            </a:r>
+            <a:endParaRPr lang="ru-RU" dirty="0">
+              <a:solidFill>
+                <a:schemeClr val="bg1">
+                  <a:lumMod val="85000"/>
+                </a:schemeClr>
+              </a:solidFill>
+              <a:latin typeface="Arial" panose="020B0604020202020204" pitchFamily="34" charset="0"/>
+              <a:cs typeface="Arial" panose="020B0604020202020204" pitchFamily="34" charset="0"/>
+            </a:endParaRPr>
+          </a:p>
+        </p:txBody>
+      </p:sp>
+      <p:sp>
+        <p:nvSpPr>
+          <p:cNvPr id="8" name="TextBox 7"/>
+          <p:cNvSpPr txBox="1"/>
+          <p:nvPr/>
+        </p:nvSpPr>
+        <p:spPr>
+          <a:xfrm>
+            <a:off x="2246772" y="115318"/>
+            <a:ext cx="9414443" cy="1200329"/>
+          </a:xfrm>
+          <a:prstGeom prst="rect">
+            <a:avLst/>
+          </a:prstGeom>
+          <a:noFill/>
+        </p:spPr>
+        <p:txBody>
+          <a:bodyPr wrap="square" rtlCol="0">
+            <a:spAutoFit/>
+          </a:bodyPr>
+          <a:lstStyle/>
+          <a:p>
+            <a:r>
+              <a:rPr lang="ru-RU" sz="3600" b="1" dirty="0">
+                <a:solidFill>
+                  <a:srgbClr val="002060"/>
+                </a:solidFill>
+                <a:latin typeface="Arial" panose="020B0604020202020204" pitchFamily="34" charset="0"/>
+                <a:cs typeface="Arial" panose="020B0604020202020204" pitchFamily="34" charset="0"/>
+              </a:rPr>
+              <a:t>Примеры интерфейса разработанной программы. </a:t>
+            </a:r>
+            <a:r>
+              <a:rPr lang="en-US" sz="3600" b="1" dirty="0">
+                <a:solidFill>
+                  <a:srgbClr val="002060"/>
+                </a:solidFill>
+                <a:latin typeface="Arial" panose="020B0604020202020204" pitchFamily="34" charset="0"/>
+                <a:cs typeface="Arial" panose="020B0604020202020204" pitchFamily="34" charset="0"/>
+              </a:rPr>
+              <a:t>REST API</a:t>
+            </a:r>
+            <a:r>
+              <a:rPr lang="ru-RU" sz="3600" b="1" dirty="0">
+                <a:solidFill>
+                  <a:srgbClr val="002060"/>
+                </a:solidFill>
+                <a:latin typeface="Arial" panose="020B0604020202020204" pitchFamily="34" charset="0"/>
+                <a:cs typeface="Arial" panose="020B0604020202020204" pitchFamily="34" charset="0"/>
+              </a:rPr>
+              <a:t>.</a:t>
+            </a:r>
+          </a:p>
+        </p:txBody>
+      </p:sp>
+      <p:sp>
+        <p:nvSpPr>
+          <p:cNvPr id="9" name="Объект 2"/>
+          <p:cNvSpPr txBox="1">
+            <a:spLocks/>
+          </p:cNvSpPr>
+          <p:nvPr/>
+        </p:nvSpPr>
+        <p:spPr>
+          <a:xfrm>
+            <a:off x="434951" y="2731668"/>
+            <a:ext cx="10617362" cy="3457097"/>
+          </a:xfrm>
+          <a:prstGeom prst="rect">
+            <a:avLst/>
+          </a:prstGeom>
+        </p:spPr>
+        <p:txBody>
+          <a:bodyPr vert="horz" lIns="91440" tIns="45720" rIns="91440" bIns="45720" rtlCol="0">
+            <a:normAutofit/>
+          </a:bodyPr>
+          <a:lstStyle>
+            <a:lvl1pPr marL="0" indent="0" algn="ctr" defTabSz="914400" rtl="0" eaLnBrk="1" latinLnBrk="0" hangingPunct="1">
+              <a:lnSpc>
+                <a:spcPct val="90000"/>
+              </a:lnSpc>
+              <a:spcBef>
+                <a:spcPts val="1000"/>
+              </a:spcBef>
+              <a:buFont typeface="Arial" panose="020B0604020202020204" pitchFamily="34" charset="0"/>
+              <a:buNone/>
+              <a:defRPr sz="2400" kern="1200">
+                <a:solidFill>
+                  <a:schemeClr val="tx1"/>
+                </a:solidFill>
+                <a:latin typeface="+mn-lt"/>
+                <a:ea typeface="+mn-ea"/>
+                <a:cs typeface="+mn-cs"/>
+              </a:defRPr>
+            </a:lvl1pPr>
+            <a:lvl2pPr marL="457200" indent="0" algn="ctr" defTabSz="914400" rtl="0" eaLnBrk="1" latinLnBrk="0" hangingPunct="1">
+              <a:lnSpc>
+                <a:spcPct val="90000"/>
+              </a:lnSpc>
+              <a:spcBef>
+                <a:spcPts val="500"/>
+              </a:spcBef>
+              <a:buFont typeface="Arial" panose="020B0604020202020204" pitchFamily="34" charset="0"/>
+              <a:buNone/>
+              <a:defRPr sz="2000" kern="1200">
+                <a:solidFill>
+                  <a:schemeClr val="tx1"/>
+                </a:solidFill>
+                <a:latin typeface="+mn-lt"/>
+                <a:ea typeface="+mn-ea"/>
+                <a:cs typeface="+mn-cs"/>
+              </a:defRPr>
+            </a:lvl2pPr>
+            <a:lvl3pPr marL="914400" indent="0" algn="ctr" defTabSz="914400" rtl="0" eaLnBrk="1" latinLnBrk="0" hangingPunct="1">
+              <a:lnSpc>
+                <a:spcPct val="90000"/>
+              </a:lnSpc>
+              <a:spcBef>
+                <a:spcPts val="500"/>
+              </a:spcBef>
+              <a:buFont typeface="Arial" panose="020B0604020202020204" pitchFamily="34" charset="0"/>
+              <a:buNone/>
+              <a:defRPr sz="1800" kern="1200">
+                <a:solidFill>
+                  <a:schemeClr val="tx1"/>
+                </a:solidFill>
+                <a:latin typeface="+mn-lt"/>
+                <a:ea typeface="+mn-ea"/>
+                <a:cs typeface="+mn-cs"/>
+              </a:defRPr>
+            </a:lvl3pPr>
+            <a:lvl4pPr marL="1371600" indent="0" algn="ctr" defTabSz="914400" rtl="0" eaLnBrk="1" latinLnBrk="0" hangingPunct="1">
+              <a:lnSpc>
+                <a:spcPct val="90000"/>
+              </a:lnSpc>
+              <a:spcBef>
+                <a:spcPts val="500"/>
+              </a:spcBef>
+              <a:buFont typeface="Arial" panose="020B0604020202020204" pitchFamily="34" charset="0"/>
+              <a:buNone/>
+              <a:defRPr sz="1600" kern="1200">
+                <a:solidFill>
+                  <a:schemeClr val="tx1"/>
+                </a:solidFill>
+                <a:latin typeface="+mn-lt"/>
+                <a:ea typeface="+mn-ea"/>
+                <a:cs typeface="+mn-cs"/>
+              </a:defRPr>
+            </a:lvl4pPr>
+            <a:lvl5pPr marL="1828800" indent="0" algn="ctr" defTabSz="914400" rtl="0" eaLnBrk="1" latinLnBrk="0" hangingPunct="1">
+              <a:lnSpc>
+                <a:spcPct val="90000"/>
+              </a:lnSpc>
+              <a:spcBef>
+                <a:spcPts val="500"/>
+              </a:spcBef>
+              <a:buFont typeface="Arial" panose="020B0604020202020204" pitchFamily="34" charset="0"/>
+              <a:buNone/>
+              <a:defRPr sz="1600" kern="1200">
+                <a:solidFill>
+                  <a:schemeClr val="tx1"/>
+                </a:solidFill>
+                <a:latin typeface="+mn-lt"/>
+                <a:ea typeface="+mn-ea"/>
+                <a:cs typeface="+mn-cs"/>
+              </a:defRPr>
+            </a:lvl5pPr>
+            <a:lvl6pPr marL="2286000" indent="0" algn="ctr" defTabSz="914400" rtl="0" eaLnBrk="1" latinLnBrk="0" hangingPunct="1">
+              <a:lnSpc>
+                <a:spcPct val="90000"/>
+              </a:lnSpc>
+              <a:spcBef>
+                <a:spcPts val="500"/>
+              </a:spcBef>
+              <a:buFont typeface="Arial" panose="020B0604020202020204" pitchFamily="34" charset="0"/>
+              <a:buNone/>
+              <a:defRPr sz="1600" kern="1200">
+                <a:solidFill>
+                  <a:schemeClr val="tx1"/>
+                </a:solidFill>
+                <a:latin typeface="+mn-lt"/>
+                <a:ea typeface="+mn-ea"/>
+                <a:cs typeface="+mn-cs"/>
+              </a:defRPr>
+            </a:lvl6pPr>
+            <a:lvl7pPr marL="2743200" indent="0" algn="ctr" defTabSz="914400" rtl="0" eaLnBrk="1" latinLnBrk="0" hangingPunct="1">
+              <a:lnSpc>
+                <a:spcPct val="90000"/>
+              </a:lnSpc>
+              <a:spcBef>
+                <a:spcPts val="500"/>
+              </a:spcBef>
+              <a:buFont typeface="Arial" panose="020B0604020202020204" pitchFamily="34" charset="0"/>
+              <a:buNone/>
+              <a:defRPr sz="1600" kern="1200">
+                <a:solidFill>
+                  <a:schemeClr val="tx1"/>
+                </a:solidFill>
+                <a:latin typeface="+mn-lt"/>
+                <a:ea typeface="+mn-ea"/>
+                <a:cs typeface="+mn-cs"/>
+              </a:defRPr>
+            </a:lvl7pPr>
+            <a:lvl8pPr marL="3200400" indent="0" algn="ctr" defTabSz="914400" rtl="0" eaLnBrk="1" latinLnBrk="0" hangingPunct="1">
+              <a:lnSpc>
+                <a:spcPct val="90000"/>
+              </a:lnSpc>
+              <a:spcBef>
+                <a:spcPts val="500"/>
+              </a:spcBef>
+              <a:buFont typeface="Arial" panose="020B0604020202020204" pitchFamily="34" charset="0"/>
+              <a:buNone/>
+              <a:defRPr sz="1600" kern="1200">
+                <a:solidFill>
+                  <a:schemeClr val="tx1"/>
+                </a:solidFill>
+                <a:latin typeface="+mn-lt"/>
+                <a:ea typeface="+mn-ea"/>
+                <a:cs typeface="+mn-cs"/>
+              </a:defRPr>
+            </a:lvl8pPr>
+            <a:lvl9pPr marL="3657600" indent="0" algn="ctr" defTabSz="914400" rtl="0" eaLnBrk="1" latinLnBrk="0" hangingPunct="1">
+              <a:lnSpc>
+                <a:spcPct val="90000"/>
+              </a:lnSpc>
+              <a:spcBef>
+                <a:spcPts val="500"/>
+              </a:spcBef>
+              <a:buFont typeface="Arial" panose="020B0604020202020204" pitchFamily="34" charset="0"/>
+              <a:buNone/>
+              <a:defRPr sz="1600" kern="1200">
+                <a:solidFill>
+                  <a:schemeClr val="tx1"/>
+                </a:solidFill>
+                <a:latin typeface="+mn-lt"/>
+                <a:ea typeface="+mn-ea"/>
+                <a:cs typeface="+mn-cs"/>
+              </a:defRPr>
+            </a:lvl9pPr>
+          </a:lstStyle>
+          <a:p>
+            <a:pPr algn="l"/>
+            <a:endParaRPr lang="ru-RU" dirty="0"/>
+          </a:p>
+        </p:txBody>
+      </p:sp>
+      <p:pic>
+        <p:nvPicPr>
+          <p:cNvPr id="2" name="Рисунок 1"/>
+          <p:cNvPicPr>
+            <a:picLocks noChangeAspect="1"/>
+          </p:cNvPicPr>
+          <p:nvPr/>
+        </p:nvPicPr>
+        <p:blipFill rotWithShape="1">
+          <a:blip r:embed="rId3" cstate="print">
+            <a:extLst>
+              <a:ext uri="{28A0092B-C50C-407E-A947-70E740481C1C}">
+                <a14:useLocalDpi xmlns:a14="http://schemas.microsoft.com/office/drawing/2010/main" val="0"/>
+              </a:ext>
+            </a:extLst>
+          </a:blip>
+          <a:srcRect r="18039"/>
+          <a:stretch/>
+        </p:blipFill>
+        <p:spPr>
+          <a:xfrm>
+            <a:off x="7087160" y="591126"/>
+            <a:ext cx="5104840" cy="6224495"/>
+          </a:xfrm>
+          <a:prstGeom prst="rect">
+            <a:avLst/>
+          </a:prstGeom>
+        </p:spPr>
+      </p:pic>
+      <p:pic>
+        <p:nvPicPr>
+          <p:cNvPr id="11" name="Рисунок 10">
+            <a:extLst>
+              <a:ext uri="{FF2B5EF4-FFF2-40B4-BE49-F238E27FC236}">
+                <a16:creationId xmlns:a16="http://schemas.microsoft.com/office/drawing/2014/main" id="{08087991-D964-434E-BE04-F9A5C567110F}"/>
+              </a:ext>
+            </a:extLst>
+          </p:cNvPr>
+          <p:cNvPicPr>
+            <a:picLocks noChangeAspect="1"/>
+          </p:cNvPicPr>
+          <p:nvPr/>
+        </p:nvPicPr>
+        <p:blipFill>
+          <a:blip r:embed="rId4"/>
+          <a:stretch>
+            <a:fillRect/>
+          </a:stretch>
+        </p:blipFill>
+        <p:spPr>
+          <a:xfrm>
+            <a:off x="286697" y="1471421"/>
+            <a:ext cx="5148578" cy="4130389"/>
+          </a:xfrm>
+          <a:prstGeom prst="rect">
+            <a:avLst/>
+          </a:prstGeom>
+          <a:solidFill>
+            <a:srgbClr val="FFFFFF">
+              <a:shade val="85000"/>
+            </a:srgbClr>
+          </a:solidFill>
+          <a:ln w="88900" cap="sq">
+            <a:solidFill>
+              <a:srgbClr val="FFFFFF"/>
+            </a:solidFill>
+            <a:miter lim="800000"/>
+          </a:ln>
+          <a:effectLst>
+            <a:outerShdw blurRad="55000" dist="18000" dir="5400000" algn="tl" rotWithShape="0">
+              <a:srgbClr val="000000">
+                <a:alpha val="40000"/>
+              </a:srgbClr>
+            </a:outerShdw>
+          </a:effectLst>
+          <a:scene3d>
+            <a:camera prst="orthographicFront"/>
+            <a:lightRig rig="twoPt" dir="t">
+              <a:rot lat="0" lon="0" rev="7200000"/>
+            </a:lightRig>
+          </a:scene3d>
+          <a:sp3d>
+            <a:bevelT w="25400" h="19050"/>
+            <a:contourClr>
+              <a:srgbClr val="FFFFFF"/>
+            </a:contourClr>
+          </a:sp3d>
+        </p:spPr>
+      </p:pic>
+      <p:pic>
+        <p:nvPicPr>
+          <p:cNvPr id="5" name="Рисунок 4">
+            <a:extLst>
+              <a:ext uri="{FF2B5EF4-FFF2-40B4-BE49-F238E27FC236}">
+                <a16:creationId xmlns:a16="http://schemas.microsoft.com/office/drawing/2014/main" id="{0B2355C9-5712-4432-8DA0-21A4FCD6F62E}"/>
+              </a:ext>
+            </a:extLst>
+          </p:cNvPr>
+          <p:cNvPicPr>
+            <a:picLocks noChangeAspect="1"/>
+          </p:cNvPicPr>
+          <p:nvPr/>
+        </p:nvPicPr>
+        <p:blipFill>
+          <a:blip r:embed="rId5"/>
+          <a:stretch>
+            <a:fillRect/>
+          </a:stretch>
+        </p:blipFill>
+        <p:spPr>
+          <a:xfrm>
+            <a:off x="5806328" y="2585368"/>
+            <a:ext cx="6098976" cy="4020485"/>
+          </a:xfrm>
+          <a:prstGeom prst="rect">
+            <a:avLst/>
+          </a:prstGeom>
+          <a:solidFill>
+            <a:srgbClr val="FFFFFF">
+              <a:shade val="85000"/>
+            </a:srgbClr>
+          </a:solidFill>
+          <a:ln w="88900" cap="sq">
+            <a:solidFill>
+              <a:srgbClr val="FFFFFF"/>
+            </a:solidFill>
+            <a:miter lim="800000"/>
+          </a:ln>
+          <a:effectLst>
+            <a:outerShdw blurRad="55000" dist="18000" dir="5400000" algn="tl" rotWithShape="0">
+              <a:srgbClr val="000000">
+                <a:alpha val="40000"/>
+              </a:srgbClr>
+            </a:outerShdw>
+          </a:effectLst>
+          <a:scene3d>
+            <a:camera prst="orthographicFront"/>
+            <a:lightRig rig="twoPt" dir="t">
+              <a:rot lat="0" lon="0" rev="7200000"/>
+            </a:lightRig>
+          </a:scene3d>
+          <a:sp3d>
+            <a:bevelT w="25400" h="19050"/>
+            <a:contourClr>
+              <a:srgbClr val="FFFFFF"/>
+            </a:contourClr>
+          </a:sp3d>
+        </p:spPr>
+      </p:pic>
+    </p:spTree>
+    <p:extLst>
+      <p:ext uri="{BB962C8B-B14F-4D97-AF65-F5344CB8AC3E}">
+        <p14:creationId xmlns:p14="http://schemas.microsoft.com/office/powerpoint/2010/main" val="1850437839"/>
+      </p:ext>
+    </p:extLst>
+  </p:cSld>
+  <p:clrMapOvr>
+    <a:masterClrMapping/>
+  </p:clrMapOvr>
+</p:sld>
+</file>
+
+<file path=ppt/slides/slide13.xml><?xml version="1.0" encoding="utf-8"?>
+<p:sld xmlns:a="http://schemas.openxmlformats.org/drawingml/2006/main" xmlns:r="http://schemas.openxmlformats.org/officeDocument/2006/relationships" xmlns:p="http://schemas.openxmlformats.org/presentationml/2006/main">
+  <p:cSld>
+    <p:spTree>
+      <p:nvGrpSpPr>
+        <p:cNvPr id="1" name=""/>
+        <p:cNvGrpSpPr/>
+        <p:nvPr/>
+      </p:nvGrpSpPr>
+      <p:grpSpPr>
+        <a:xfrm>
+          <a:off x="0" y="0"/>
+          <a:ext cx="0" cy="0"/>
+          <a:chOff x="0" y="0"/>
+          <a:chExt cx="0" cy="0"/>
+        </a:xfrm>
+      </p:grpSpPr>
+      <p:pic>
+        <p:nvPicPr>
+          <p:cNvPr id="18" name="Рисунок 17">
+            <a:extLst>
+              <a:ext uri="{FF2B5EF4-FFF2-40B4-BE49-F238E27FC236}">
+                <a16:creationId xmlns:a16="http://schemas.microsoft.com/office/drawing/2014/main" id="{A517330B-6506-4403-9411-ABE882A3905A}"/>
+              </a:ext>
+            </a:extLst>
+          </p:cNvPr>
+          <p:cNvPicPr>
+            <a:picLocks noChangeAspect="1"/>
+          </p:cNvPicPr>
+          <p:nvPr/>
+        </p:nvPicPr>
+        <p:blipFill>
+          <a:blip r:embed="rId2" cstate="print">
+            <a:extLst>
+              <a:ext uri="{28A0092B-C50C-407E-A947-70E740481C1C}">
+                <a14:useLocalDpi xmlns:a14="http://schemas.microsoft.com/office/drawing/2010/main" val="0"/>
+              </a:ext>
+            </a:extLst>
+          </a:blip>
+          <a:stretch>
+            <a:fillRect/>
+          </a:stretch>
+        </p:blipFill>
+        <p:spPr>
+          <a:xfrm>
+            <a:off x="434951" y="393646"/>
+            <a:ext cx="1552134" cy="620696"/>
+          </a:xfrm>
+          <a:prstGeom prst="rect">
+            <a:avLst/>
+          </a:prstGeom>
+        </p:spPr>
+      </p:pic>
+      <p:sp>
+        <p:nvSpPr>
+          <p:cNvPr id="13" name="Заголовок 1"/>
+          <p:cNvSpPr txBox="1">
+            <a:spLocks/>
+          </p:cNvSpPr>
+          <p:nvPr/>
+        </p:nvSpPr>
+        <p:spPr>
+          <a:xfrm>
+            <a:off x="10914444" y="503673"/>
+            <a:ext cx="926575" cy="423621"/>
+          </a:xfrm>
+          <a:prstGeom prst="rect">
+            <a:avLst/>
+          </a:prstGeom>
+        </p:spPr>
+        <p:txBody>
+          <a:bodyPr vert="horz" lIns="0" tIns="0" rIns="0" bIns="0" rtlCol="0" anchor="ctr">
+            <a:normAutofit fontScale="97500"/>
+          </a:bodyPr>
+          <a:lstStyle/>
+          <a:p>
+            <a:r>
+              <a:rPr lang="en-US" dirty="0">
+                <a:solidFill>
+                  <a:schemeClr val="bg1">
+                    <a:lumMod val="85000"/>
+                  </a:schemeClr>
+                </a:solidFill>
+                <a:latin typeface="Arial" panose="020B0604020202020204" pitchFamily="34" charset="0"/>
+                <a:cs typeface="Arial" panose="020B0604020202020204" pitchFamily="34" charset="0"/>
+              </a:rPr>
+              <a:t>guap.ru</a:t>
+            </a:r>
+            <a:endParaRPr lang="ru-RU" dirty="0">
+              <a:solidFill>
+                <a:schemeClr val="bg1">
+                  <a:lumMod val="85000"/>
+                </a:schemeClr>
+              </a:solidFill>
+              <a:latin typeface="Arial" panose="020B0604020202020204" pitchFamily="34" charset="0"/>
+              <a:cs typeface="Arial" panose="020B0604020202020204" pitchFamily="34" charset="0"/>
+            </a:endParaRPr>
+          </a:p>
+        </p:txBody>
+      </p:sp>
+      <p:sp>
+        <p:nvSpPr>
+          <p:cNvPr id="8" name="TextBox 7"/>
+          <p:cNvSpPr txBox="1"/>
+          <p:nvPr/>
+        </p:nvSpPr>
+        <p:spPr>
+          <a:xfrm>
+            <a:off x="2246772" y="115318"/>
+            <a:ext cx="9414443" cy="1200329"/>
+          </a:xfrm>
+          <a:prstGeom prst="rect">
+            <a:avLst/>
+          </a:prstGeom>
+          <a:noFill/>
+        </p:spPr>
+        <p:txBody>
+          <a:bodyPr wrap="square" rtlCol="0">
+            <a:spAutoFit/>
+          </a:bodyPr>
+          <a:lstStyle/>
+          <a:p>
+            <a:r>
+              <a:rPr lang="ru-RU" sz="3600" b="1" dirty="0">
+                <a:solidFill>
+                  <a:srgbClr val="002060"/>
+                </a:solidFill>
+                <a:latin typeface="Arial" panose="020B0604020202020204" pitchFamily="34" charset="0"/>
+                <a:cs typeface="Arial" panose="020B0604020202020204" pitchFamily="34" charset="0"/>
+              </a:rPr>
+              <a:t>Примеры интерфейса разработанной программы. </a:t>
+            </a:r>
+            <a:r>
+              <a:rPr lang="en-US" sz="3600" b="1" dirty="0">
+                <a:solidFill>
+                  <a:srgbClr val="002060"/>
+                </a:solidFill>
+                <a:latin typeface="Arial" panose="020B0604020202020204" pitchFamily="34" charset="0"/>
+                <a:cs typeface="Arial" panose="020B0604020202020204" pitchFamily="34" charset="0"/>
+              </a:rPr>
+              <a:t>REST API</a:t>
+            </a:r>
+            <a:r>
+              <a:rPr lang="ru-RU" sz="3600" b="1" dirty="0">
+                <a:solidFill>
+                  <a:srgbClr val="002060"/>
+                </a:solidFill>
+                <a:latin typeface="Arial" panose="020B0604020202020204" pitchFamily="34" charset="0"/>
+                <a:cs typeface="Arial" panose="020B0604020202020204" pitchFamily="34" charset="0"/>
+              </a:rPr>
+              <a:t>.</a:t>
+            </a:r>
+          </a:p>
+        </p:txBody>
+      </p:sp>
+      <p:sp>
+        <p:nvSpPr>
+          <p:cNvPr id="9" name="Объект 2"/>
+          <p:cNvSpPr txBox="1">
+            <a:spLocks/>
+          </p:cNvSpPr>
+          <p:nvPr/>
+        </p:nvSpPr>
+        <p:spPr>
+          <a:xfrm>
+            <a:off x="434951" y="2731668"/>
+            <a:ext cx="10617362" cy="3457097"/>
+          </a:xfrm>
+          <a:prstGeom prst="rect">
+            <a:avLst/>
+          </a:prstGeom>
+        </p:spPr>
+        <p:txBody>
+          <a:bodyPr vert="horz" lIns="91440" tIns="45720" rIns="91440" bIns="45720" rtlCol="0">
+            <a:normAutofit/>
+          </a:bodyPr>
+          <a:lstStyle>
+            <a:lvl1pPr marL="0" indent="0" algn="ctr" defTabSz="914400" rtl="0" eaLnBrk="1" latinLnBrk="0" hangingPunct="1">
+              <a:lnSpc>
+                <a:spcPct val="90000"/>
+              </a:lnSpc>
+              <a:spcBef>
+                <a:spcPts val="1000"/>
+              </a:spcBef>
+              <a:buFont typeface="Arial" panose="020B0604020202020204" pitchFamily="34" charset="0"/>
+              <a:buNone/>
+              <a:defRPr sz="2400" kern="1200">
+                <a:solidFill>
+                  <a:schemeClr val="tx1"/>
+                </a:solidFill>
+                <a:latin typeface="+mn-lt"/>
+                <a:ea typeface="+mn-ea"/>
+                <a:cs typeface="+mn-cs"/>
+              </a:defRPr>
+            </a:lvl1pPr>
+            <a:lvl2pPr marL="457200" indent="0" algn="ctr" defTabSz="914400" rtl="0" eaLnBrk="1" latinLnBrk="0" hangingPunct="1">
+              <a:lnSpc>
+                <a:spcPct val="90000"/>
+              </a:lnSpc>
+              <a:spcBef>
+                <a:spcPts val="500"/>
+              </a:spcBef>
+              <a:buFont typeface="Arial" panose="020B0604020202020204" pitchFamily="34" charset="0"/>
+              <a:buNone/>
+              <a:defRPr sz="2000" kern="1200">
+                <a:solidFill>
+                  <a:schemeClr val="tx1"/>
+                </a:solidFill>
+                <a:latin typeface="+mn-lt"/>
+                <a:ea typeface="+mn-ea"/>
+                <a:cs typeface="+mn-cs"/>
+              </a:defRPr>
+            </a:lvl2pPr>
+            <a:lvl3pPr marL="914400" indent="0" algn="ctr" defTabSz="914400" rtl="0" eaLnBrk="1" latinLnBrk="0" hangingPunct="1">
+              <a:lnSpc>
+                <a:spcPct val="90000"/>
+              </a:lnSpc>
+              <a:spcBef>
+                <a:spcPts val="500"/>
+              </a:spcBef>
+              <a:buFont typeface="Arial" panose="020B0604020202020204" pitchFamily="34" charset="0"/>
+              <a:buNone/>
+              <a:defRPr sz="1800" kern="1200">
+                <a:solidFill>
+                  <a:schemeClr val="tx1"/>
+                </a:solidFill>
+                <a:latin typeface="+mn-lt"/>
+                <a:ea typeface="+mn-ea"/>
+                <a:cs typeface="+mn-cs"/>
+              </a:defRPr>
+            </a:lvl3pPr>
+            <a:lvl4pPr marL="1371600" indent="0" algn="ctr" defTabSz="914400" rtl="0" eaLnBrk="1" latinLnBrk="0" hangingPunct="1">
+              <a:lnSpc>
+                <a:spcPct val="90000"/>
+              </a:lnSpc>
+              <a:spcBef>
+                <a:spcPts val="500"/>
+              </a:spcBef>
+              <a:buFont typeface="Arial" panose="020B0604020202020204" pitchFamily="34" charset="0"/>
+              <a:buNone/>
+              <a:defRPr sz="1600" kern="1200">
+                <a:solidFill>
+                  <a:schemeClr val="tx1"/>
+                </a:solidFill>
+                <a:latin typeface="+mn-lt"/>
+                <a:ea typeface="+mn-ea"/>
+                <a:cs typeface="+mn-cs"/>
+              </a:defRPr>
+            </a:lvl4pPr>
+            <a:lvl5pPr marL="1828800" indent="0" algn="ctr" defTabSz="914400" rtl="0" eaLnBrk="1" latinLnBrk="0" hangingPunct="1">
+              <a:lnSpc>
+                <a:spcPct val="90000"/>
+              </a:lnSpc>
+              <a:spcBef>
+                <a:spcPts val="500"/>
+              </a:spcBef>
+              <a:buFont typeface="Arial" panose="020B0604020202020204" pitchFamily="34" charset="0"/>
+              <a:buNone/>
+              <a:defRPr sz="1600" kern="1200">
+                <a:solidFill>
+                  <a:schemeClr val="tx1"/>
+                </a:solidFill>
+                <a:latin typeface="+mn-lt"/>
+                <a:ea typeface="+mn-ea"/>
+                <a:cs typeface="+mn-cs"/>
+              </a:defRPr>
+            </a:lvl5pPr>
+            <a:lvl6pPr marL="2286000" indent="0" algn="ctr" defTabSz="914400" rtl="0" eaLnBrk="1" latinLnBrk="0" hangingPunct="1">
+              <a:lnSpc>
+                <a:spcPct val="90000"/>
+              </a:lnSpc>
+              <a:spcBef>
+                <a:spcPts val="500"/>
+              </a:spcBef>
+              <a:buFont typeface="Arial" panose="020B0604020202020204" pitchFamily="34" charset="0"/>
+              <a:buNone/>
+              <a:defRPr sz="1600" kern="1200">
+                <a:solidFill>
+                  <a:schemeClr val="tx1"/>
+                </a:solidFill>
+                <a:latin typeface="+mn-lt"/>
+                <a:ea typeface="+mn-ea"/>
+                <a:cs typeface="+mn-cs"/>
+              </a:defRPr>
+            </a:lvl6pPr>
+            <a:lvl7pPr marL="2743200" indent="0" algn="ctr" defTabSz="914400" rtl="0" eaLnBrk="1" latinLnBrk="0" hangingPunct="1">
+              <a:lnSpc>
+                <a:spcPct val="90000"/>
+              </a:lnSpc>
+              <a:spcBef>
+                <a:spcPts val="500"/>
+              </a:spcBef>
+              <a:buFont typeface="Arial" panose="020B0604020202020204" pitchFamily="34" charset="0"/>
+              <a:buNone/>
+              <a:defRPr sz="1600" kern="1200">
+                <a:solidFill>
+                  <a:schemeClr val="tx1"/>
+                </a:solidFill>
+                <a:latin typeface="+mn-lt"/>
+                <a:ea typeface="+mn-ea"/>
+                <a:cs typeface="+mn-cs"/>
+              </a:defRPr>
+            </a:lvl7pPr>
+            <a:lvl8pPr marL="3200400" indent="0" algn="ctr" defTabSz="914400" rtl="0" eaLnBrk="1" latinLnBrk="0" hangingPunct="1">
+              <a:lnSpc>
+                <a:spcPct val="90000"/>
+              </a:lnSpc>
+              <a:spcBef>
+                <a:spcPts val="500"/>
+              </a:spcBef>
+              <a:buFont typeface="Arial" panose="020B0604020202020204" pitchFamily="34" charset="0"/>
+              <a:buNone/>
+              <a:defRPr sz="1600" kern="1200">
+                <a:solidFill>
+                  <a:schemeClr val="tx1"/>
+                </a:solidFill>
+                <a:latin typeface="+mn-lt"/>
+                <a:ea typeface="+mn-ea"/>
+                <a:cs typeface="+mn-cs"/>
+              </a:defRPr>
+            </a:lvl8pPr>
+            <a:lvl9pPr marL="3657600" indent="0" algn="ctr" defTabSz="914400" rtl="0" eaLnBrk="1" latinLnBrk="0" hangingPunct="1">
+              <a:lnSpc>
+                <a:spcPct val="90000"/>
+              </a:lnSpc>
+              <a:spcBef>
+                <a:spcPts val="500"/>
+              </a:spcBef>
+              <a:buFont typeface="Arial" panose="020B0604020202020204" pitchFamily="34" charset="0"/>
+              <a:buNone/>
+              <a:defRPr sz="1600" kern="1200">
+                <a:solidFill>
+                  <a:schemeClr val="tx1"/>
+                </a:solidFill>
+                <a:latin typeface="+mn-lt"/>
+                <a:ea typeface="+mn-ea"/>
+                <a:cs typeface="+mn-cs"/>
+              </a:defRPr>
+            </a:lvl9pPr>
+          </a:lstStyle>
+          <a:p>
+            <a:pPr algn="l"/>
+            <a:endParaRPr lang="ru-RU" dirty="0"/>
+          </a:p>
+        </p:txBody>
+      </p:sp>
+      <p:pic>
+        <p:nvPicPr>
+          <p:cNvPr id="2" name="Рисунок 1"/>
+          <p:cNvPicPr>
+            <a:picLocks noChangeAspect="1"/>
+          </p:cNvPicPr>
+          <p:nvPr/>
+        </p:nvPicPr>
+        <p:blipFill rotWithShape="1">
+          <a:blip r:embed="rId3" cstate="print">
+            <a:extLst>
+              <a:ext uri="{28A0092B-C50C-407E-A947-70E740481C1C}">
+                <a14:useLocalDpi xmlns:a14="http://schemas.microsoft.com/office/drawing/2010/main" val="0"/>
+              </a:ext>
+            </a:extLst>
+          </a:blip>
+          <a:srcRect r="18039"/>
+          <a:stretch/>
+        </p:blipFill>
+        <p:spPr>
+          <a:xfrm>
+            <a:off x="7087160" y="591126"/>
+            <a:ext cx="5104840" cy="6224495"/>
+          </a:xfrm>
+          <a:prstGeom prst="rect">
+            <a:avLst/>
+          </a:prstGeom>
+        </p:spPr>
+      </p:pic>
+      <p:pic>
+        <p:nvPicPr>
+          <p:cNvPr id="7" name="Рисунок 6">
+            <a:extLst>
+              <a:ext uri="{FF2B5EF4-FFF2-40B4-BE49-F238E27FC236}">
+                <a16:creationId xmlns:a16="http://schemas.microsoft.com/office/drawing/2014/main" id="{BD7610A2-407E-42DA-9F5C-09BC1EFD4361}"/>
+              </a:ext>
+            </a:extLst>
+          </p:cNvPr>
+          <p:cNvPicPr>
+            <a:picLocks noChangeAspect="1"/>
+          </p:cNvPicPr>
+          <p:nvPr/>
+        </p:nvPicPr>
+        <p:blipFill>
+          <a:blip r:embed="rId4"/>
+          <a:stretch>
+            <a:fillRect/>
+          </a:stretch>
+        </p:blipFill>
+        <p:spPr>
+          <a:xfrm>
+            <a:off x="272487" y="1490150"/>
+            <a:ext cx="6914813" cy="4974204"/>
+          </a:xfrm>
+          <a:prstGeom prst="rect">
+            <a:avLst/>
+          </a:prstGeom>
+          <a:solidFill>
+            <a:srgbClr val="FFFFFF">
+              <a:shade val="85000"/>
+            </a:srgbClr>
+          </a:solidFill>
+          <a:ln w="88900" cap="sq">
+            <a:solidFill>
+              <a:srgbClr val="FFFFFF"/>
+            </a:solidFill>
+            <a:miter lim="800000"/>
+          </a:ln>
+          <a:effectLst>
+            <a:outerShdw blurRad="55000" dist="18000" dir="5400000" algn="tl" rotWithShape="0">
+              <a:srgbClr val="000000">
+                <a:alpha val="40000"/>
+              </a:srgbClr>
+            </a:outerShdw>
+          </a:effectLst>
+          <a:scene3d>
+            <a:camera prst="orthographicFront"/>
+            <a:lightRig rig="twoPt" dir="t">
+              <a:rot lat="0" lon="0" rev="7200000"/>
+            </a:lightRig>
+          </a:scene3d>
+          <a:sp3d>
+            <a:bevelT w="25400" h="19050"/>
+            <a:contourClr>
+              <a:srgbClr val="FFFFFF"/>
+            </a:contourClr>
+          </a:sp3d>
+        </p:spPr>
+      </p:pic>
+    </p:spTree>
+    <p:extLst>
+      <p:ext uri="{BB962C8B-B14F-4D97-AF65-F5344CB8AC3E}">
+        <p14:creationId xmlns:p14="http://schemas.microsoft.com/office/powerpoint/2010/main" val="2981253162"/>
+      </p:ext>
+    </p:extLst>
+  </p:cSld>
+  <p:clrMapOvr>
+    <a:masterClrMapping/>
+  </p:clrMapOvr>
+</p:sld>
+</file>
+
+<file path=ppt/slides/slide14.xml><?xml version="1.0" encoding="utf-8"?>
 <p:sld xmlns:a="http://schemas.openxmlformats.org/drawingml/2006/main" xmlns:r="http://schemas.openxmlformats.org/officeDocument/2006/relationships" xmlns:p="http://schemas.openxmlformats.org/presentationml/2006/main">
   <p:cSld>
     <p:spTree>
@@ -3939,8 +5977,8 @@
         </p:nvSpPr>
         <p:spPr>
           <a:xfrm>
-            <a:off x="687386" y="2762553"/>
-            <a:ext cx="9957312" cy="2308324"/>
+            <a:off x="687386" y="3316549"/>
+            <a:ext cx="9957312" cy="1200329"/>
           </a:xfrm>
           <a:prstGeom prst="rect">
             <a:avLst/>
@@ -3967,18 +6005,18 @@
               <a:buChar char="―"/>
             </a:pPr>
             <a:r>
-              <a:rPr lang="en-US" altLang="ru-RU" dirty="0">
+              <a:rPr lang="ru-RU" altLang="ru-RU" dirty="0">
                 <a:solidFill>
                   <a:schemeClr val="bg1"/>
                 </a:solidFill>
                 <a:latin typeface="Arial" panose="020B0604020202020204" pitchFamily="34" charset="0"/>
                 <a:cs typeface="Arial" panose="020B0604020202020204" pitchFamily="34" charset="0"/>
               </a:rPr>
-              <a:t>REST API</a:t>
-            </a:r>
-          </a:p>
-          <a:p>
-            <a:pPr marL="742950" lvl="1" indent="-285750" eaLnBrk="0" fontAlgn="base" hangingPunct="0">
+              <a:t>Поиск поездов, просмотр свободных мест, покупка мест</a:t>
+            </a:r>
+          </a:p>
+          <a:p>
+            <a:pPr marL="285750" lvl="0" indent="-285750" eaLnBrk="0" fontAlgn="base" hangingPunct="0">
               <a:spcBef>
                 <a:spcPct val="0"/>
               </a:spcBef>
@@ -3999,7 +6037,7 @@
                 <a:latin typeface="Arial" panose="020B0604020202020204" pitchFamily="34" charset="0"/>
                 <a:cs typeface="Arial" panose="020B0604020202020204" pitchFamily="34" charset="0"/>
               </a:rPr>
-              <a:t>CRUD </a:t>
+              <a:t>REST API</a:t>
             </a:r>
             <a:r>
               <a:rPr lang="ru-RU" altLang="ru-RU" dirty="0">
@@ -4009,23 +6047,8 @@
                 <a:latin typeface="Arial" panose="020B0604020202020204" pitchFamily="34" charset="0"/>
                 <a:cs typeface="Arial" panose="020B0604020202020204" pitchFamily="34" charset="0"/>
               </a:rPr>
-              <a:t>методы для всех элементов ИС *</a:t>
-            </a:r>
-          </a:p>
-          <a:p>
-            <a:pPr marL="285750" indent="-285750" eaLnBrk="0" fontAlgn="base" hangingPunct="0">
-              <a:spcBef>
-                <a:spcPct val="0"/>
-              </a:spcBef>
-              <a:spcAft>
-                <a:spcPct val="0"/>
-              </a:spcAft>
-              <a:buClr>
-                <a:schemeClr val="bg1"/>
-              </a:buClr>
-              <a:buFont typeface="Arial" panose="020B0604020202020204" pitchFamily="34" charset="0"/>
-              <a:buChar char="―"/>
-            </a:pPr>
+              <a:t>: </a:t>
+            </a:r>
             <a:r>
               <a:rPr lang="en-US" altLang="ru-RU" dirty="0">
                 <a:solidFill>
@@ -4034,30 +6057,8 @@
                 <a:latin typeface="Arial" panose="020B0604020202020204" pitchFamily="34" charset="0"/>
                 <a:cs typeface="Arial" panose="020B0604020202020204" pitchFamily="34" charset="0"/>
               </a:rPr>
-              <a:t>MVC</a:t>
-            </a:r>
-            <a:endParaRPr lang="ru-RU" altLang="ru-RU" dirty="0">
-              <a:solidFill>
-                <a:schemeClr val="bg1"/>
-              </a:solidFill>
-              <a:latin typeface="Arial" panose="020B0604020202020204" pitchFamily="34" charset="0"/>
-              <a:cs typeface="Arial" panose="020B0604020202020204" pitchFamily="34" charset="0"/>
-            </a:endParaRPr>
-          </a:p>
-          <a:p>
-            <a:pPr marL="742950" lvl="1" indent="-285750" eaLnBrk="0" fontAlgn="base" hangingPunct="0">
-              <a:spcBef>
-                <a:spcPct val="0"/>
-              </a:spcBef>
-              <a:spcAft>
-                <a:spcPct val="0"/>
-              </a:spcAft>
-              <a:buClr>
-                <a:schemeClr val="bg1"/>
-              </a:buClr>
-              <a:buFont typeface="Arial" panose="020B0604020202020204" pitchFamily="34" charset="0"/>
-              <a:buChar char="―"/>
-            </a:pPr>
+              <a:t>CRUD </a:t>
+            </a:r>
             <a:r>
               <a:rPr lang="ru-RU" altLang="ru-RU" dirty="0">
                 <a:solidFill>
@@ -4066,11 +6067,11 @@
                 <a:latin typeface="Arial" panose="020B0604020202020204" pitchFamily="34" charset="0"/>
                 <a:cs typeface="Arial" panose="020B0604020202020204" pitchFamily="34" charset="0"/>
               </a:rPr>
-              <a:t>Просмотр всех элементов ИС *</a:t>
-            </a:r>
-          </a:p>
-          <a:p>
-            <a:pPr marL="742950" lvl="1" indent="-285750" eaLnBrk="0" fontAlgn="base" hangingPunct="0">
+              <a:t>методы для поездов, мест и пассажиров</a:t>
+            </a:r>
+          </a:p>
+          <a:p>
+            <a:pPr marL="285750" indent="-285750" eaLnBrk="0" fontAlgn="base" hangingPunct="0">
               <a:spcBef>
                 <a:spcPct val="0"/>
               </a:spcBef>
@@ -4110,49 +6111,6 @@
               <a:latin typeface="Arial" panose="020B0604020202020204" pitchFamily="34" charset="0"/>
               <a:cs typeface="Arial" panose="020B0604020202020204" pitchFamily="34" charset="0"/>
             </a:endParaRPr>
-          </a:p>
-          <a:p>
-            <a:pPr lvl="1" eaLnBrk="0" fontAlgn="base" hangingPunct="0">
-              <a:spcBef>
-                <a:spcPct val="0"/>
-              </a:spcBef>
-              <a:spcAft>
-                <a:spcPct val="0"/>
-              </a:spcAft>
-              <a:buClr>
-                <a:schemeClr val="bg1"/>
-              </a:buClr>
-            </a:pPr>
-            <a:endParaRPr lang="ru-RU" altLang="ru-RU" dirty="0">
-              <a:solidFill>
-                <a:schemeClr val="bg1"/>
-              </a:solidFill>
-              <a:latin typeface="Arial" panose="020B0604020202020204" pitchFamily="34" charset="0"/>
-              <a:cs typeface="Arial" panose="020B0604020202020204" pitchFamily="34" charset="0"/>
-            </a:endParaRPr>
-          </a:p>
-          <a:p>
-            <a:pPr lvl="1" eaLnBrk="0" fontAlgn="base" hangingPunct="0">
-              <a:spcBef>
-                <a:spcPct val="0"/>
-              </a:spcBef>
-              <a:spcAft>
-                <a:spcPct val="0"/>
-              </a:spcAft>
-              <a:buClr>
-                <a:schemeClr val="bg1"/>
-              </a:buClr>
-            </a:pPr>
-            <a:r>
-              <a:rPr lang="ru-RU" altLang="ru-RU" dirty="0">
-                <a:solidFill>
-                  <a:schemeClr val="bg1"/>
-                </a:solidFill>
-                <a:latin typeface="Arial" panose="020B0604020202020204" pitchFamily="34" charset="0"/>
-                <a:cs typeface="Arial" panose="020B0604020202020204" pitchFamily="34" charset="0"/>
-              </a:rPr>
-              <a:t>* элементы ИС – поезда, места, пассажиры</a:t>
-            </a:r>
           </a:p>
         </p:txBody>
       </p:sp>
@@ -4252,7 +6210,7 @@
 </p:sld>
 </file>
 
-<file path=ppt/slides/slide11.xml><?xml version="1.0" encoding="utf-8"?>
+<file path=ppt/slides/slide15.xml><?xml version="1.0" encoding="utf-8"?>
 <p:sld xmlns:a="http://schemas.openxmlformats.org/drawingml/2006/main" xmlns:r="http://schemas.openxmlformats.org/officeDocument/2006/relationships" xmlns:p="http://schemas.openxmlformats.org/presentationml/2006/main">
   <p:cSld>
     <p:spTree>
@@ -4481,9 +6439,11 @@
                 <a:ea typeface="Arial Unicode MS" panose="020B0604020202020204" pitchFamily="34" charset="-128"/>
                 <a:cs typeface="Arial Unicode MS" panose="020B0604020202020204" pitchFamily="34" charset="-128"/>
               </a:rPr>
-              <a:t>Выполнил: студент гр.4932 </a:t>
-            </a:r>
-            <a:br>
+              <a:t>Выполнил: </a:t>
+            </a:r>
+          </a:p>
+          <a:p>
+            <a:r>
               <a:rPr lang="ru-RU" sz="1600" dirty="0">
                 <a:solidFill>
                   <a:schemeClr val="bg1"/>
@@ -4492,7 +6452,10 @@
                 <a:ea typeface="Arial Unicode MS" panose="020B0604020202020204" pitchFamily="34" charset="-128"/>
                 <a:cs typeface="Arial Unicode MS" panose="020B0604020202020204" pitchFamily="34" charset="-128"/>
               </a:rPr>
-            </a:br>
+              <a:t>студент гр.4932 Иванов Никита</a:t>
+            </a:r>
+          </a:p>
+          <a:p>
             <a:r>
               <a:rPr lang="ru-RU" sz="1600" dirty="0">
                 <a:solidFill>
@@ -4502,7 +6465,7 @@
                 <a:ea typeface="Arial Unicode MS" panose="020B0604020202020204" pitchFamily="34" charset="-128"/>
                 <a:cs typeface="Arial Unicode MS" panose="020B0604020202020204" pitchFamily="34" charset="-128"/>
               </a:rPr>
-              <a:t>Иванов Никита</a:t>
+              <a:t>студент гр.4931 Александров Павел</a:t>
             </a:r>
           </a:p>
           <a:p>
@@ -4605,7 +6568,7 @@
         <p:spPr>
           <a:xfrm>
             <a:off x="517236" y="2340724"/>
-            <a:ext cx="9421894" cy="1015663"/>
+            <a:ext cx="9421894" cy="1323439"/>
           </a:xfrm>
           <a:prstGeom prst="rect">
             <a:avLst/>
@@ -4649,7 +6612,7 @@
                 </a:solidFill>
                 <a:latin typeface="Calibri" panose="020F0502020204030204" pitchFamily="34" charset="0"/>
               </a:rPr>
-              <a:t>Реализовать прототип приложения для предметной области</a:t>
+              <a:t>Реализовать прототип приложения для предметной области (приложение железнодорожной компании)</a:t>
             </a:r>
           </a:p>
           <a:p>
@@ -4855,7 +6818,7 @@
         <p:spPr>
           <a:xfrm>
             <a:off x="517236" y="2340724"/>
-            <a:ext cx="9421894" cy="1015663"/>
+            <a:ext cx="9421894" cy="4401205"/>
           </a:xfrm>
           <a:prstGeom prst="rect">
             <a:avLst/>
@@ -4866,6 +6829,199 @@
             <a:spAutoFit/>
           </a:bodyPr>
           <a:lstStyle/>
+          <a:p>
+            <a:pPr>
+              <a:buClr>
+                <a:srgbClr val="7030A0"/>
+              </a:buClr>
+            </a:pPr>
+            <a:r>
+              <a:rPr lang="ru-RU" sz="2000" dirty="0">
+                <a:solidFill>
+                  <a:srgbClr val="000000"/>
+                </a:solidFill>
+                <a:latin typeface="Calibri" panose="020F0502020204030204" pitchFamily="34" charset="0"/>
+              </a:rPr>
+              <a:t>Серверная часть (Иванов Никита): </a:t>
+            </a:r>
+          </a:p>
+          <a:p>
+            <a:pPr marL="742950" lvl="1" indent="-285750">
+              <a:buClr>
+                <a:srgbClr val="7030A0"/>
+              </a:buClr>
+              <a:buFont typeface="Calibri" panose="020F0502020204030204" pitchFamily="34" charset="0"/>
+              <a:buChar char="―"/>
+            </a:pPr>
+            <a:r>
+              <a:rPr lang="ru-RU" sz="2000" dirty="0">
+                <a:solidFill>
+                  <a:srgbClr val="000000"/>
+                </a:solidFill>
+                <a:latin typeface="Calibri" panose="020F0502020204030204" pitchFamily="34" charset="0"/>
+              </a:rPr>
+              <a:t>Поиск поездов по параметрам</a:t>
+            </a:r>
+          </a:p>
+          <a:p>
+            <a:pPr marL="742950" lvl="1" indent="-285750">
+              <a:buClr>
+                <a:srgbClr val="7030A0"/>
+              </a:buClr>
+              <a:buFont typeface="Calibri" panose="020F0502020204030204" pitchFamily="34" charset="0"/>
+              <a:buChar char="―"/>
+            </a:pPr>
+            <a:r>
+              <a:rPr lang="ru-RU" sz="2000" dirty="0">
+                <a:solidFill>
+                  <a:srgbClr val="000000"/>
+                </a:solidFill>
+                <a:latin typeface="Calibri" panose="020F0502020204030204" pitchFamily="34" charset="0"/>
+              </a:rPr>
+              <a:t>Просмотр доступных и купленных мест</a:t>
+            </a:r>
+          </a:p>
+          <a:p>
+            <a:pPr marL="742950" lvl="1" indent="-285750">
+              <a:buClr>
+                <a:srgbClr val="7030A0"/>
+              </a:buClr>
+              <a:buFont typeface="Calibri" panose="020F0502020204030204" pitchFamily="34" charset="0"/>
+              <a:buChar char="―"/>
+            </a:pPr>
+            <a:r>
+              <a:rPr lang="ru-RU" sz="2000" dirty="0">
+                <a:solidFill>
+                  <a:srgbClr val="000000"/>
+                </a:solidFill>
+                <a:latin typeface="Calibri" panose="020F0502020204030204" pitchFamily="34" charset="0"/>
+              </a:rPr>
+              <a:t>Покупка доступных мест</a:t>
+            </a:r>
+          </a:p>
+          <a:p>
+            <a:pPr marL="742950" lvl="1" indent="-285750">
+              <a:buClr>
+                <a:srgbClr val="7030A0"/>
+              </a:buClr>
+              <a:buFont typeface="Calibri" panose="020F0502020204030204" pitchFamily="34" charset="0"/>
+              <a:buChar char="―"/>
+            </a:pPr>
+            <a:r>
+              <a:rPr lang="en-US" sz="2000" dirty="0">
+                <a:solidFill>
+                  <a:srgbClr val="000000"/>
+                </a:solidFill>
+                <a:latin typeface="Calibri" panose="020F0502020204030204" pitchFamily="34" charset="0"/>
+              </a:rPr>
+              <a:t>REST API </a:t>
+            </a:r>
+            <a:r>
+              <a:rPr lang="ru-RU" sz="2000" dirty="0">
+                <a:solidFill>
+                  <a:srgbClr val="000000"/>
+                </a:solidFill>
+                <a:latin typeface="Calibri" panose="020F0502020204030204" pitchFamily="34" charset="0"/>
+              </a:rPr>
+              <a:t>для интеграции сторонних сервисов</a:t>
+            </a:r>
+          </a:p>
+          <a:p>
+            <a:pPr>
+              <a:buClr>
+                <a:srgbClr val="7030A0"/>
+              </a:buClr>
+            </a:pPr>
+            <a:endParaRPr lang="ru-RU" sz="2000" dirty="0">
+              <a:solidFill>
+                <a:srgbClr val="000000"/>
+              </a:solidFill>
+              <a:latin typeface="Calibri" panose="020F0502020204030204" pitchFamily="34" charset="0"/>
+            </a:endParaRPr>
+          </a:p>
+          <a:p>
+            <a:pPr>
+              <a:buClr>
+                <a:srgbClr val="7030A0"/>
+              </a:buClr>
+            </a:pPr>
+            <a:r>
+              <a:rPr lang="ru-RU" sz="2000" dirty="0">
+                <a:solidFill>
+                  <a:srgbClr val="000000"/>
+                </a:solidFill>
+                <a:latin typeface="Calibri" panose="020F0502020204030204" pitchFamily="34" charset="0"/>
+              </a:rPr>
+              <a:t>Клиентская часть (Александров Павел):</a:t>
+            </a:r>
+          </a:p>
+          <a:p>
+            <a:pPr marL="742950" lvl="1" indent="-285750">
+              <a:buClr>
+                <a:srgbClr val="7030A0"/>
+              </a:buClr>
+              <a:buFont typeface="Calibri" panose="020F0502020204030204" pitchFamily="34" charset="0"/>
+              <a:buChar char="―"/>
+            </a:pPr>
+            <a:r>
+              <a:rPr lang="ru-RU" sz="2000" dirty="0">
+                <a:solidFill>
+                  <a:srgbClr val="000000"/>
+                </a:solidFill>
+                <a:latin typeface="Calibri" panose="020F0502020204030204" pitchFamily="34" charset="0"/>
+              </a:rPr>
+              <a:t>Страница с поиском поездов</a:t>
+            </a:r>
+          </a:p>
+          <a:p>
+            <a:pPr marL="742950" lvl="1" indent="-285750">
+              <a:buClr>
+                <a:srgbClr val="7030A0"/>
+              </a:buClr>
+              <a:buFont typeface="Calibri" panose="020F0502020204030204" pitchFamily="34" charset="0"/>
+              <a:buChar char="―"/>
+            </a:pPr>
+            <a:r>
+              <a:rPr lang="ru-RU" sz="2000" dirty="0">
+                <a:solidFill>
+                  <a:srgbClr val="000000"/>
+                </a:solidFill>
+                <a:latin typeface="Calibri" panose="020F0502020204030204" pitchFamily="34" charset="0"/>
+              </a:rPr>
+              <a:t>Страница с доступными и недоступными местами</a:t>
+            </a:r>
+          </a:p>
+          <a:p>
+            <a:pPr marL="742950" lvl="1" indent="-285750">
+              <a:buClr>
+                <a:srgbClr val="7030A0"/>
+              </a:buClr>
+              <a:buFont typeface="Calibri" panose="020F0502020204030204" pitchFamily="34" charset="0"/>
+              <a:buChar char="―"/>
+            </a:pPr>
+            <a:r>
+              <a:rPr lang="ru-RU" sz="2000" dirty="0">
+                <a:solidFill>
+                  <a:srgbClr val="000000"/>
+                </a:solidFill>
+                <a:latin typeface="Calibri" panose="020F0502020204030204" pitchFamily="34" charset="0"/>
+              </a:rPr>
+              <a:t>Механизм покупки мест </a:t>
+            </a:r>
+          </a:p>
+          <a:p>
+            <a:pPr>
+              <a:buClr>
+                <a:srgbClr val="7030A0"/>
+              </a:buClr>
+            </a:pPr>
+            <a:endParaRPr lang="ru-RU" sz="2000" dirty="0">
+              <a:solidFill>
+                <a:srgbClr val="000000"/>
+              </a:solidFill>
+              <a:latin typeface="Calibri" panose="020F0502020204030204" pitchFamily="34" charset="0"/>
+            </a:endParaRPr>
+          </a:p>
           <a:p>
             <a:pPr marL="285750" indent="-285750">
               <a:buClr>
@@ -4874,42 +7030,19 @@
               <a:buFont typeface="Calibri" panose="020F0502020204030204" pitchFamily="34" charset="0"/>
               <a:buChar char="―"/>
             </a:pPr>
-            <a:r>
-              <a:rPr lang="ru-RU" sz="2000" dirty="0">
-                <a:solidFill>
-                  <a:srgbClr val="000000"/>
-                </a:solidFill>
-                <a:latin typeface="Calibri" panose="020F0502020204030204" pitchFamily="34" charset="0"/>
-              </a:rPr>
-              <a:t>Реализовать прототип приложения для железнодорожной компании</a:t>
-            </a:r>
-          </a:p>
-          <a:p>
-            <a:pPr marL="285750" indent="-285750">
+            <a:endParaRPr lang="ru-RU" sz="2000" dirty="0">
+              <a:solidFill>
+                <a:srgbClr val="000000"/>
+              </a:solidFill>
+              <a:latin typeface="Calibri" panose="020F0502020204030204" pitchFamily="34" charset="0"/>
+            </a:endParaRPr>
+          </a:p>
+          <a:p>
+            <a:pPr>
               <a:buClr>
                 <a:srgbClr val="7030A0"/>
               </a:buClr>
-              <a:buFont typeface="Calibri" panose="020F0502020204030204" pitchFamily="34" charset="0"/>
-              <a:buChar char="―"/>
             </a:pPr>
-            <a:r>
-              <a:rPr lang="ru-RU" sz="2000" dirty="0">
-                <a:solidFill>
-                  <a:srgbClr val="000000"/>
-                </a:solidFill>
-                <a:latin typeface="Calibri" panose="020F0502020204030204" pitchFamily="34" charset="0"/>
-              </a:rPr>
-              <a:t>Использовать шаблон проектирования </a:t>
-            </a:r>
-            <a:r>
-              <a:rPr lang="en-US" sz="2000" dirty="0">
-                <a:solidFill>
-                  <a:srgbClr val="000000"/>
-                </a:solidFill>
-                <a:latin typeface="Calibri" panose="020F0502020204030204" pitchFamily="34" charset="0"/>
-              </a:rPr>
-              <a:t>MVC</a:t>
-            </a:r>
             <a:endParaRPr lang="ru-RU" sz="2000" dirty="0">
               <a:solidFill>
                 <a:srgbClr val="000000"/>
@@ -5208,7 +7341,7 @@
         </p:nvSpPr>
         <p:spPr>
           <a:xfrm>
-            <a:off x="434951" y="2894722"/>
+            <a:off x="434951" y="2885844"/>
             <a:ext cx="5517804" cy="2246769"/>
           </a:xfrm>
           <a:prstGeom prst="rect">
@@ -5253,7 +7386,25 @@
                 </a:solidFill>
                 <a:latin typeface="Calibri" panose="020F0502020204030204" pitchFamily="34" charset="0"/>
               </a:rPr>
-              <a:t>Spring data</a:t>
+              <a:t>Spring doc (open </a:t>
+            </a:r>
+            <a:r>
+              <a:rPr lang="en-US" sz="2000" dirty="0" err="1">
+                <a:solidFill>
+                  <a:srgbClr val="000000"/>
+                </a:solidFill>
+                <a:latin typeface="Calibri" panose="020F0502020204030204" pitchFamily="34" charset="0"/>
+              </a:rPr>
+              <a:t>api</a:t>
+            </a:r>
+            <a:r>
+              <a:rPr lang="en-US" sz="2000" dirty="0">
+                <a:solidFill>
+                  <a:srgbClr val="000000"/>
+                </a:solidFill>
+                <a:latin typeface="Calibri" panose="020F0502020204030204" pitchFamily="34" charset="0"/>
+              </a:rPr>
+              <a:t>)</a:t>
             </a:r>
           </a:p>
           <a:p>
@@ -5271,7 +7422,7 @@
                 </a:solidFill>
                 <a:latin typeface="Calibri" panose="020F0502020204030204" pitchFamily="34" charset="0"/>
               </a:rPr>
-              <a:t>Spring MVC</a:t>
+              <a:t>Spring data</a:t>
             </a:r>
           </a:p>
           <a:p>
@@ -5289,7 +7440,7 @@
                 </a:solidFill>
                 <a:latin typeface="Calibri" panose="020F0502020204030204" pitchFamily="34" charset="0"/>
               </a:rPr>
-              <a:t>Thymeleaf</a:t>
+              <a:t>PostgreSQL</a:t>
             </a:r>
           </a:p>
           <a:p>
@@ -5307,7 +7458,7 @@
                 </a:solidFill>
                 <a:latin typeface="Calibri" panose="020F0502020204030204" pitchFamily="34" charset="0"/>
               </a:rPr>
-              <a:t>Bootstrap</a:t>
+              <a:t>Spring MVC</a:t>
             </a:r>
           </a:p>
           <a:p>
@@ -5325,7 +7476,7 @@
                 </a:solidFill>
                 <a:latin typeface="Calibri" panose="020F0502020204030204" pitchFamily="34" charset="0"/>
               </a:rPr>
-              <a:t>PostgreSQL</a:t>
+              <a:t>Thymeleaf</a:t>
             </a:r>
           </a:p>
           <a:p>
@@ -5343,26 +7494,23 @@
                 </a:solidFill>
                 <a:latin typeface="Calibri" panose="020F0502020204030204" pitchFamily="34" charset="0"/>
               </a:rPr>
-              <a:t>Spring doc (open </a:t>
-            </a:r>
-            <a:r>
-              <a:rPr lang="en-US" sz="2000" dirty="0" err="1">
+              <a:t>Bootstrap</a:t>
+            </a:r>
+            <a:r>
+              <a:rPr lang="ru-RU" sz="2000" dirty="0">
                 <a:solidFill>
                   <a:srgbClr val="000000"/>
                 </a:solidFill>
                 <a:latin typeface="Calibri" panose="020F0502020204030204" pitchFamily="34" charset="0"/>
               </a:rPr>
-              <a:t>api</a:t>
-            </a:r>
-            <a:r>
-              <a:rPr lang="en-US" sz="2000" dirty="0">
-                <a:solidFill>
-                  <a:srgbClr val="000000"/>
-                </a:solidFill>
-                <a:latin typeface="Calibri" panose="020F0502020204030204" pitchFamily="34" charset="0"/>
-              </a:rPr>
-              <a:t>)</a:t>
-            </a:r>
+              <a:t> 5</a:t>
+            </a:r>
+            <a:endParaRPr lang="en-US" sz="2000" dirty="0">
+              <a:solidFill>
+                <a:srgbClr val="000000"/>
+              </a:solidFill>
+              <a:latin typeface="Calibri" panose="020F0502020204030204" pitchFamily="34" charset="0"/>
+            </a:endParaRPr>
           </a:p>
         </p:txBody>
       </p:sp>
@@ -5474,60 +7622,31 @@
       </p:grpSpPr>
       <p:pic>
         <p:nvPicPr>
-          <p:cNvPr id="4" name="Рисунок 3">
-            <a:extLst>
-              <a:ext uri="{FF2B5EF4-FFF2-40B4-BE49-F238E27FC236}">
-                <a16:creationId xmlns:a16="http://schemas.microsoft.com/office/drawing/2014/main" id="{560D4E31-FCCB-4DAB-84BB-A801124D79FB}"/>
-              </a:ext>
-            </a:extLst>
-          </p:cNvPr>
+          <p:cNvPr id="2" name="Рисунок 1"/>
           <p:cNvPicPr>
             <a:picLocks noChangeAspect="1"/>
           </p:cNvPicPr>
           <p:nvPr/>
         </p:nvPicPr>
         <p:blipFill rotWithShape="1">
-          <a:blip r:embed="rId2"/>
-          <a:srcRect b="47584"/>
+          <a:blip r:embed="rId2" cstate="print">
+            <a:extLst>
+              <a:ext uri="{28A0092B-C50C-407E-A947-70E740481C1C}">
+                <a14:useLocalDpi xmlns:a14="http://schemas.microsoft.com/office/drawing/2010/main" val="0"/>
+              </a:ext>
+            </a:extLst>
+          </a:blip>
+          <a:srcRect r="18039"/>
           <a:stretch/>
         </p:blipFill>
         <p:spPr>
           <a:xfrm>
-            <a:off x="326213" y="2731668"/>
-            <a:ext cx="11539574" cy="3906264"/>
-          </a:xfrm>
-          <a:prstGeom prst="rect">
-            <a:avLst/>
-          </a:prstGeom>
-          <a:solidFill>
-            <a:srgbClr val="FFFFFF">
-              <a:shade val="85000"/>
-            </a:srgbClr>
-          </a:solidFill>
-          <a:ln w="190500" cap="rnd">
-            <a:solidFill>
-              <a:srgbClr val="FFFFFF"/>
-            </a:solidFill>
-          </a:ln>
-          <a:effectLst>
-            <a:outerShdw blurRad="50000" algn="tl" rotWithShape="0">
-              <a:srgbClr val="000000">
-                <a:alpha val="41000"/>
-              </a:srgbClr>
-            </a:outerShdw>
-          </a:effectLst>
-          <a:scene3d>
-            <a:camera prst="orthographicFront"/>
-            <a:lightRig rig="twoPt" dir="t">
-              <a:rot lat="0" lon="0" rev="7800000"/>
-            </a:lightRig>
-          </a:scene3d>
-          <a:sp3d contourW="6350">
-            <a:bevelT w="50800" h="16510"/>
-            <a:contourClr>
-              <a:srgbClr val="C0C0C0"/>
-            </a:contourClr>
-          </a:sp3d>
+            <a:off x="7087160" y="591126"/>
+            <a:ext cx="5104840" cy="6224495"/>
+          </a:xfrm>
+          <a:prstGeom prst="rect">
+            <a:avLst/>
+          </a:prstGeom>
         </p:spPr>
       </p:pic>
       <p:pic>
@@ -5621,7 +7740,7 @@
         </p:nvSpPr>
         <p:spPr>
           <a:xfrm>
-            <a:off x="434951" y="1531339"/>
+            <a:off x="2246772" y="115318"/>
             <a:ext cx="9414443" cy="1200329"/>
           </a:xfrm>
           <a:prstGeom prst="rect">
@@ -5643,7 +7762,7 @@
                 <a:latin typeface="Arial" panose="020B0604020202020204" pitchFamily="34" charset="0"/>
                 <a:cs typeface="Arial" panose="020B0604020202020204" pitchFamily="34" charset="0"/>
               </a:rPr>
-              <a:t>Примеры интерфейса разработанной программы. Расписание поездов.</a:t>
+              <a:t>Примеры интерфейса разработанной программы. Поиск поездов.</a:t>
             </a:r>
           </a:p>
         </p:txBody>
@@ -5841,31 +7960,122 @@
       </p:sp>
       <p:pic>
         <p:nvPicPr>
-          <p:cNvPr id="2" name="Рисунок 1"/>
+          <p:cNvPr id="5" name="Рисунок 4">
+            <a:extLst>
+              <a:ext uri="{FF2B5EF4-FFF2-40B4-BE49-F238E27FC236}">
+                <a16:creationId xmlns:a16="http://schemas.microsoft.com/office/drawing/2014/main" id="{12E12088-270A-417E-96F9-B8BCB51F0BEE}"/>
+              </a:ext>
+            </a:extLst>
+          </p:cNvPr>
           <p:cNvPicPr>
             <a:picLocks noChangeAspect="1"/>
           </p:cNvPicPr>
           <p:nvPr/>
         </p:nvPicPr>
-        <p:blipFill rotWithShape="1">
-          <a:blip r:embed="rId4" cstate="print">
+        <p:blipFill>
+          <a:blip r:embed="rId4"/>
+          <a:stretch>
+            <a:fillRect/>
+          </a:stretch>
+        </p:blipFill>
+        <p:spPr>
+          <a:xfrm>
+            <a:off x="380825" y="1490150"/>
+            <a:ext cx="7656477" cy="4475644"/>
+          </a:xfrm>
+          <a:prstGeom prst="rect">
+            <a:avLst/>
+          </a:prstGeom>
+          <a:solidFill>
+            <a:srgbClr val="FFFFFF">
+              <a:shade val="85000"/>
+            </a:srgbClr>
+          </a:solidFill>
+          <a:ln w="88900" cap="sq">
+            <a:solidFill>
+              <a:srgbClr val="FFFFFF"/>
+            </a:solidFill>
+            <a:miter lim="800000"/>
+          </a:ln>
+          <a:effectLst>
+            <a:outerShdw blurRad="55000" dist="18000" dir="5400000" algn="tl" rotWithShape="0">
+              <a:srgbClr val="000000">
+                <a:alpha val="40000"/>
+              </a:srgbClr>
+            </a:outerShdw>
+          </a:effectLst>
+          <a:scene3d>
+            <a:camera prst="orthographicFront"/>
+            <a:lightRig rig="twoPt" dir="t">
+              <a:rot lat="0" lon="0" rev="7200000"/>
+            </a:lightRig>
+          </a:scene3d>
+          <a:sp3d>
+            <a:bevelT w="25400" h="19050"/>
+            <a:contourClr>
+              <a:srgbClr val="FFFFFF"/>
+            </a:contourClr>
+          </a:sp3d>
+        </p:spPr>
+      </p:pic>
+      <p:pic>
+        <p:nvPicPr>
+          <p:cNvPr id="7" name="Рисунок 6">
             <a:extLst>
-              <a:ext uri="{28A0092B-C50C-407E-A947-70E740481C1C}">
-                <a14:useLocalDpi xmlns:a14="http://schemas.microsoft.com/office/drawing/2010/main" val="0"/>
+              <a:ext uri="{FF2B5EF4-FFF2-40B4-BE49-F238E27FC236}">
+                <a16:creationId xmlns:a16="http://schemas.microsoft.com/office/drawing/2014/main" id="{EF41AA74-997C-4286-9BFF-9DC83AFAD412}"/>
               </a:ext>
             </a:extLst>
-          </a:blip>
-          <a:srcRect r="18039"/>
-          <a:stretch/>
+          </p:cNvPr>
+          <p:cNvPicPr>
+            <a:picLocks noChangeAspect="1"/>
+          </p:cNvPicPr>
+          <p:nvPr/>
+        </p:nvPicPr>
+        <p:blipFill>
+          <a:blip r:embed="rId5"/>
+          <a:stretch>
+            <a:fillRect/>
+          </a:stretch>
         </p:blipFill>
         <p:spPr>
           <a:xfrm>
-            <a:off x="7087160" y="591126"/>
-            <a:ext cx="5104840" cy="6224495"/>
-          </a:xfrm>
-          <a:prstGeom prst="rect">
-            <a:avLst/>
-          </a:prstGeom>
+            <a:off x="8337612" y="1490150"/>
+            <a:ext cx="3554078" cy="2341633"/>
+          </a:xfrm>
+          <a:prstGeom prst="rect">
+            <a:avLst/>
+          </a:prstGeom>
+          <a:solidFill>
+            <a:srgbClr val="FFFFFF">
+              <a:shade val="85000"/>
+            </a:srgbClr>
+          </a:solidFill>
+          <a:ln w="88900" cap="sq">
+            <a:solidFill>
+              <a:srgbClr val="FFFFFF"/>
+            </a:solidFill>
+            <a:miter lim="800000"/>
+          </a:ln>
+          <a:effectLst>
+            <a:outerShdw blurRad="55000" dist="18000" dir="5400000" algn="tl" rotWithShape="0">
+              <a:srgbClr val="000000">
+                <a:alpha val="40000"/>
+              </a:srgbClr>
+            </a:outerShdw>
+          </a:effectLst>
+          <a:scene3d>
+            <a:camera prst="orthographicFront"/>
+            <a:lightRig rig="twoPt" dir="t">
+              <a:rot lat="0" lon="0" rev="7200000"/>
+            </a:lightRig>
+          </a:scene3d>
+          <a:sp3d>
+            <a:bevelT w="25400" h="19050"/>
+            <a:contourClr>
+              <a:srgbClr val="FFFFFF"/>
+            </a:contourClr>
+          </a:sp3d>
         </p:spPr>
       </p:pic>
     </p:spTree>
@@ -5989,8 +8199,8 @@
         </p:nvSpPr>
         <p:spPr>
           <a:xfrm>
-            <a:off x="434951" y="1531339"/>
-            <a:ext cx="9414443" cy="1200329"/>
+            <a:off x="2246772" y="115318"/>
+            <a:ext cx="9414443" cy="1754326"/>
           </a:xfrm>
           <a:prstGeom prst="rect">
             <a:avLst/>
@@ -6011,7 +8221,7 @@
                 <a:latin typeface="Arial" panose="020B0604020202020204" pitchFamily="34" charset="0"/>
                 <a:cs typeface="Arial" panose="020B0604020202020204" pitchFamily="34" charset="0"/>
               </a:rPr>
-              <a:t>Примеры интерфейса разработанной программы. Детали поезда: места.</a:t>
+              <a:t>Примеры интерфейса разработанной программы. Доступные места в поезде с сортировкой по номеру места.</a:t>
             </a:r>
           </a:p>
         </p:txBody>
@@ -6209,64 +8419,6 @@
       </p:sp>
       <p:pic>
         <p:nvPicPr>
-          <p:cNvPr id="6" name="Рисунок 5">
-            <a:extLst>
-              <a:ext uri="{FF2B5EF4-FFF2-40B4-BE49-F238E27FC236}">
-                <a16:creationId xmlns:a16="http://schemas.microsoft.com/office/drawing/2014/main" id="{E08C14D9-E6A7-4EF0-98CA-11B05085A5FC}"/>
-              </a:ext>
-            </a:extLst>
-          </p:cNvPr>
-          <p:cNvPicPr>
-            <a:picLocks noChangeAspect="1"/>
-          </p:cNvPicPr>
-          <p:nvPr/>
-        </p:nvPicPr>
-        <p:blipFill rotWithShape="1">
-          <a:blip r:embed="rId3"/>
-          <a:srcRect l="7132" t="33400" r="7286" b="16987"/>
-          <a:stretch/>
-        </p:blipFill>
-        <p:spPr>
-          <a:xfrm>
-            <a:off x="400699" y="2907339"/>
-            <a:ext cx="11390602" cy="3557015"/>
-          </a:xfrm>
-          <a:prstGeom prst="rect">
-            <a:avLst/>
-          </a:prstGeom>
-          <a:solidFill>
-            <a:srgbClr val="FFFFFF">
-              <a:shade val="85000"/>
-            </a:srgbClr>
-          </a:solidFill>
-          <a:ln w="190500" cap="rnd">
-            <a:solidFill>
-              <a:srgbClr val="FFFFFF"/>
-            </a:solidFill>
-          </a:ln>
-          <a:effectLst>
-            <a:outerShdw blurRad="50000" algn="tl" rotWithShape="0">
-              <a:srgbClr val="000000">
-                <a:alpha val="41000"/>
-              </a:srgbClr>
-            </a:outerShdw>
-          </a:effectLst>
-          <a:scene3d>
-            <a:camera prst="orthographicFront"/>
-            <a:lightRig rig="twoPt" dir="t">
-              <a:rot lat="0" lon="0" rev="7800000"/>
-            </a:lightRig>
-          </a:scene3d>
-          <a:sp3d contourW="6350">
-            <a:bevelT w="50800" h="16510"/>
-            <a:contourClr>
-              <a:srgbClr val="C0C0C0"/>
-            </a:contourClr>
-          </a:sp3d>
-        </p:spPr>
-      </p:pic>
-      <p:pic>
-        <p:nvPicPr>
           <p:cNvPr id="2" name="Рисунок 1"/>
           <p:cNvPicPr>
             <a:picLocks noChangeAspect="1"/>
@@ -6274,7 +8426,7 @@
           <p:nvPr/>
         </p:nvPicPr>
         <p:blipFill rotWithShape="1">
-          <a:blip r:embed="rId4" cstate="print">
+          <a:blip r:embed="rId3" cstate="print">
             <a:extLst>
               <a:ext uri="{28A0092B-C50C-407E-A947-70E740481C1C}">
                 <a14:useLocalDpi xmlns:a14="http://schemas.microsoft.com/office/drawing/2010/main" val="0"/>
@@ -6286,18 +8438,78 @@
         </p:blipFill>
         <p:spPr>
           <a:xfrm>
-            <a:off x="7087160" y="503673"/>
+            <a:off x="7087160" y="591126"/>
             <a:ext cx="5104840" cy="6224495"/>
           </a:xfrm>
           <a:prstGeom prst="rect">
             <a:avLst/>
           </a:prstGeom>
+        </p:spPr>
+      </p:pic>
+      <p:pic>
+        <p:nvPicPr>
+          <p:cNvPr id="4" name="Рисунок 3">
+            <a:extLst>
+              <a:ext uri="{FF2B5EF4-FFF2-40B4-BE49-F238E27FC236}">
+                <a16:creationId xmlns:a16="http://schemas.microsoft.com/office/drawing/2014/main" id="{A792AA66-B8CB-4F86-B28F-9DC2D0E6D7BE}"/>
+              </a:ext>
+            </a:extLst>
+          </p:cNvPr>
+          <p:cNvPicPr>
+            <a:picLocks noChangeAspect="1"/>
+          </p:cNvPicPr>
+          <p:nvPr/>
+        </p:nvPicPr>
+        <p:blipFill>
+          <a:blip r:embed="rId4"/>
+          <a:stretch>
+            <a:fillRect/>
+          </a:stretch>
+        </p:blipFill>
+        <p:spPr>
+          <a:xfrm>
+            <a:off x="303562" y="2093295"/>
+            <a:ext cx="7926040" cy="4492377"/>
+          </a:xfrm>
+          <a:prstGeom prst="rect">
+            <a:avLst/>
+          </a:prstGeom>
+          <a:solidFill>
+            <a:srgbClr val="FFFFFF">
+              <a:shade val="85000"/>
+            </a:srgbClr>
+          </a:solidFill>
+          <a:ln w="88900" cap="sq">
+            <a:solidFill>
+              <a:srgbClr val="FFFFFF"/>
+            </a:solidFill>
+            <a:miter lim="800000"/>
+          </a:ln>
+          <a:effectLst>
+            <a:outerShdw blurRad="55000" dist="18000" dir="5400000" algn="tl" rotWithShape="0">
+              <a:srgbClr val="000000">
+                <a:alpha val="40000"/>
+              </a:srgbClr>
+            </a:outerShdw>
+          </a:effectLst>
+          <a:scene3d>
+            <a:camera prst="orthographicFront"/>
+            <a:lightRig rig="twoPt" dir="t">
+              <a:rot lat="0" lon="0" rev="7200000"/>
+            </a:lightRig>
+          </a:scene3d>
+          <a:sp3d>
+            <a:bevelT w="25400" h="19050"/>
+            <a:contourClr>
+              <a:srgbClr val="FFFFFF"/>
+            </a:contourClr>
+          </a:sp3d>
         </p:spPr>
       </p:pic>
     </p:spTree>
     <p:extLst>
       <p:ext uri="{BB962C8B-B14F-4D97-AF65-F5344CB8AC3E}">
-        <p14:creationId xmlns:p14="http://schemas.microsoft.com/office/powerpoint/2010/main" val="2443500831"/>
+        <p14:creationId xmlns:p14="http://schemas.microsoft.com/office/powerpoint/2010/main" val="3252532682"/>
       </p:ext>
     </p:extLst>
   </p:cSld>
@@ -6415,8 +8627,8 @@
         </p:nvSpPr>
         <p:spPr>
           <a:xfrm>
-            <a:off x="434951" y="1531339"/>
-            <a:ext cx="9414443" cy="1200329"/>
+            <a:off x="2246772" y="115318"/>
+            <a:ext cx="9414443" cy="1754326"/>
           </a:xfrm>
           <a:prstGeom prst="rect">
             <a:avLst/>
@@ -6437,7 +8649,7 @@
                 <a:latin typeface="Arial" panose="020B0604020202020204" pitchFamily="34" charset="0"/>
                 <a:cs typeface="Arial" panose="020B0604020202020204" pitchFamily="34" charset="0"/>
               </a:rPr>
-              <a:t>Примеры интерфейса разработанной программы. Место с пассажиром</a:t>
+              <a:t>Примеры интерфейса разработанной программы. Доступные места в поезде с сортировкой по цене места.</a:t>
             </a:r>
           </a:p>
         </p:txBody>
@@ -6635,64 +8847,6 @@
       </p:sp>
       <p:pic>
         <p:nvPicPr>
-          <p:cNvPr id="6" name="Рисунок 5">
-            <a:extLst>
-              <a:ext uri="{FF2B5EF4-FFF2-40B4-BE49-F238E27FC236}">
-                <a16:creationId xmlns:a16="http://schemas.microsoft.com/office/drawing/2014/main" id="{0FBEA606-DACD-4540-B4F7-BD4690382F59}"/>
-              </a:ext>
-            </a:extLst>
-          </p:cNvPr>
-          <p:cNvPicPr>
-            <a:picLocks noChangeAspect="1"/>
-          </p:cNvPicPr>
-          <p:nvPr/>
-        </p:nvPicPr>
-        <p:blipFill rotWithShape="1">
-          <a:blip r:embed="rId3"/>
-          <a:srcRect l="3077" t="3379" r="2210" b="29140"/>
-          <a:stretch/>
-        </p:blipFill>
-        <p:spPr>
-          <a:xfrm>
-            <a:off x="308176" y="3137939"/>
-            <a:ext cx="11575647" cy="3326415"/>
-          </a:xfrm>
-          <a:prstGeom prst="rect">
-            <a:avLst/>
-          </a:prstGeom>
-          <a:solidFill>
-            <a:srgbClr val="FFFFFF">
-              <a:shade val="85000"/>
-            </a:srgbClr>
-          </a:solidFill>
-          <a:ln w="190500" cap="rnd">
-            <a:solidFill>
-              <a:srgbClr val="FFFFFF"/>
-            </a:solidFill>
-          </a:ln>
-          <a:effectLst>
-            <a:outerShdw blurRad="50000" algn="tl" rotWithShape="0">
-              <a:srgbClr val="000000">
-                <a:alpha val="41000"/>
-              </a:srgbClr>
-            </a:outerShdw>
-          </a:effectLst>
-          <a:scene3d>
-            <a:camera prst="orthographicFront"/>
-            <a:lightRig rig="twoPt" dir="t">
-              <a:rot lat="0" lon="0" rev="7800000"/>
-            </a:lightRig>
-          </a:scene3d>
-          <a:sp3d contourW="6350">
-            <a:bevelT w="50800" h="16510"/>
-            <a:contourClr>
-              <a:srgbClr val="C0C0C0"/>
-            </a:contourClr>
-          </a:sp3d>
-        </p:spPr>
-      </p:pic>
-      <p:pic>
-        <p:nvPicPr>
           <p:cNvPr id="2" name="Рисунок 1"/>
           <p:cNvPicPr>
             <a:picLocks noChangeAspect="1"/>
@@ -6700,7 +8854,7 @@
           <p:nvPr/>
         </p:nvPicPr>
         <p:blipFill rotWithShape="1">
-          <a:blip r:embed="rId4" cstate="print">
+          <a:blip r:embed="rId3" cstate="print">
             <a:extLst>
               <a:ext uri="{28A0092B-C50C-407E-A947-70E740481C1C}">
                 <a14:useLocalDpi xmlns:a14="http://schemas.microsoft.com/office/drawing/2010/main" val="0"/>
@@ -6720,10 +8874,70 @@
           </a:prstGeom>
         </p:spPr>
       </p:pic>
+      <p:pic>
+        <p:nvPicPr>
+          <p:cNvPr id="5" name="Рисунок 4">
+            <a:extLst>
+              <a:ext uri="{FF2B5EF4-FFF2-40B4-BE49-F238E27FC236}">
+                <a16:creationId xmlns:a16="http://schemas.microsoft.com/office/drawing/2014/main" id="{273A7A5B-9176-4F8D-B2B5-BC5ECF4ADC1D}"/>
+              </a:ext>
+            </a:extLst>
+          </p:cNvPr>
+          <p:cNvPicPr>
+            <a:picLocks noChangeAspect="1"/>
+          </p:cNvPicPr>
+          <p:nvPr/>
+        </p:nvPicPr>
+        <p:blipFill>
+          <a:blip r:embed="rId4"/>
+          <a:stretch>
+            <a:fillRect/>
+          </a:stretch>
+        </p:blipFill>
+        <p:spPr>
+          <a:xfrm>
+            <a:off x="311478" y="2112562"/>
+            <a:ext cx="7944756" cy="4482540"/>
+          </a:xfrm>
+          <a:prstGeom prst="rect">
+            <a:avLst/>
+          </a:prstGeom>
+          <a:solidFill>
+            <a:srgbClr val="FFFFFF">
+              <a:shade val="85000"/>
+            </a:srgbClr>
+          </a:solidFill>
+          <a:ln w="88900" cap="sq">
+            <a:solidFill>
+              <a:srgbClr val="FFFFFF"/>
+            </a:solidFill>
+            <a:miter lim="800000"/>
+          </a:ln>
+          <a:effectLst>
+            <a:outerShdw blurRad="55000" dist="18000" dir="5400000" algn="tl" rotWithShape="0">
+              <a:srgbClr val="000000">
+                <a:alpha val="40000"/>
+              </a:srgbClr>
+            </a:outerShdw>
+          </a:effectLst>
+          <a:scene3d>
+            <a:camera prst="orthographicFront"/>
+            <a:lightRig rig="twoPt" dir="t">
+              <a:rot lat="0" lon="0" rev="7200000"/>
+            </a:lightRig>
+          </a:scene3d>
+          <a:sp3d>
+            <a:bevelT w="25400" h="19050"/>
+            <a:contourClr>
+              <a:srgbClr val="FFFFFF"/>
+            </a:contourClr>
+          </a:sp3d>
+        </p:spPr>
+      </p:pic>
     </p:spTree>
     <p:extLst>
       <p:ext uri="{BB962C8B-B14F-4D97-AF65-F5344CB8AC3E}">
-        <p14:creationId xmlns:p14="http://schemas.microsoft.com/office/powerpoint/2010/main" val="64302715"/>
+        <p14:creationId xmlns:p14="http://schemas.microsoft.com/office/powerpoint/2010/main" val="3395033702"/>
       </p:ext>
     </p:extLst>
   </p:cSld>
@@ -6841,8 +9055,8 @@
         </p:nvSpPr>
         <p:spPr>
           <a:xfrm>
-            <a:off x="434951" y="1531339"/>
-            <a:ext cx="10090174" cy="1200329"/>
+            <a:off x="2246772" y="115318"/>
+            <a:ext cx="9414443" cy="1200329"/>
           </a:xfrm>
           <a:prstGeom prst="rect">
             <a:avLst/>
@@ -6863,7 +9077,7 @@
                 <a:latin typeface="Arial" panose="020B0604020202020204" pitchFamily="34" charset="0"/>
                 <a:cs typeface="Arial" panose="020B0604020202020204" pitchFamily="34" charset="0"/>
               </a:rPr>
-              <a:t>Примеры интерфейса разработанной программы. Место без пассажира</a:t>
+              <a:t>Примеры интерфейса разработанной программы. Недоступные места.</a:t>
             </a:r>
           </a:p>
         </p:txBody>
@@ -7061,64 +9275,6 @@
       </p:sp>
       <p:pic>
         <p:nvPicPr>
-          <p:cNvPr id="4" name="Рисунок 3">
-            <a:extLst>
-              <a:ext uri="{FF2B5EF4-FFF2-40B4-BE49-F238E27FC236}">
-                <a16:creationId xmlns:a16="http://schemas.microsoft.com/office/drawing/2014/main" id="{DAD3191E-863B-441E-910F-9538C73C9816}"/>
-              </a:ext>
-            </a:extLst>
-          </p:cNvPr>
-          <p:cNvPicPr>
-            <a:picLocks noChangeAspect="1"/>
-          </p:cNvPicPr>
-          <p:nvPr/>
-        </p:nvPicPr>
-        <p:blipFill rotWithShape="1">
-          <a:blip r:embed="rId3"/>
-          <a:srcRect t="3832" b="14225"/>
-          <a:stretch/>
-        </p:blipFill>
-        <p:spPr>
-          <a:xfrm>
-            <a:off x="303200" y="3961571"/>
-            <a:ext cx="11585599" cy="2502783"/>
-          </a:xfrm>
-          <a:prstGeom prst="rect">
-            <a:avLst/>
-          </a:prstGeom>
-          <a:solidFill>
-            <a:srgbClr val="FFFFFF">
-              <a:shade val="85000"/>
-            </a:srgbClr>
-          </a:solidFill>
-          <a:ln w="190500" cap="rnd">
-            <a:solidFill>
-              <a:srgbClr val="FFFFFF"/>
-            </a:solidFill>
-          </a:ln>
-          <a:effectLst>
-            <a:outerShdw blurRad="50000" algn="tl" rotWithShape="0">
-              <a:srgbClr val="000000">
-                <a:alpha val="41000"/>
-              </a:srgbClr>
-            </a:outerShdw>
-          </a:effectLst>
-          <a:scene3d>
-            <a:camera prst="orthographicFront"/>
-            <a:lightRig rig="twoPt" dir="t">
-              <a:rot lat="0" lon="0" rev="7800000"/>
-            </a:lightRig>
-          </a:scene3d>
-          <a:sp3d contourW="6350">
-            <a:bevelT w="50800" h="16510"/>
-            <a:contourClr>
-              <a:srgbClr val="C0C0C0"/>
-            </a:contourClr>
-          </a:sp3d>
-        </p:spPr>
-      </p:pic>
-      <p:pic>
-        <p:nvPicPr>
           <p:cNvPr id="2" name="Рисунок 1"/>
           <p:cNvPicPr>
             <a:picLocks noChangeAspect="1"/>
@@ -7126,7 +9282,7 @@
           <p:nvPr/>
         </p:nvPicPr>
         <p:blipFill rotWithShape="1">
-          <a:blip r:embed="rId4" cstate="print">
+          <a:blip r:embed="rId3" cstate="print">
             <a:extLst>
               <a:ext uri="{28A0092B-C50C-407E-A947-70E740481C1C}">
                 <a14:useLocalDpi xmlns:a14="http://schemas.microsoft.com/office/drawing/2010/main" val="0"/>
@@ -7146,10 +9302,70 @@
           </a:prstGeom>
         </p:spPr>
       </p:pic>
+      <p:pic>
+        <p:nvPicPr>
+          <p:cNvPr id="4" name="Рисунок 3">
+            <a:extLst>
+              <a:ext uri="{FF2B5EF4-FFF2-40B4-BE49-F238E27FC236}">
+                <a16:creationId xmlns:a16="http://schemas.microsoft.com/office/drawing/2014/main" id="{320992D5-BF21-422B-93A1-5B25A2F58C08}"/>
+              </a:ext>
+            </a:extLst>
+          </p:cNvPr>
+          <p:cNvPicPr>
+            <a:picLocks noChangeAspect="1"/>
+          </p:cNvPicPr>
+          <p:nvPr/>
+        </p:nvPicPr>
+        <p:blipFill>
+          <a:blip r:embed="rId4"/>
+          <a:stretch>
+            <a:fillRect/>
+          </a:stretch>
+        </p:blipFill>
+        <p:spPr>
+          <a:xfrm>
+            <a:off x="301786" y="2419630"/>
+            <a:ext cx="10111898" cy="4081171"/>
+          </a:xfrm>
+          <a:prstGeom prst="rect">
+            <a:avLst/>
+          </a:prstGeom>
+          <a:solidFill>
+            <a:srgbClr val="FFFFFF">
+              <a:shade val="85000"/>
+            </a:srgbClr>
+          </a:solidFill>
+          <a:ln w="88900" cap="sq">
+            <a:solidFill>
+              <a:srgbClr val="FFFFFF"/>
+            </a:solidFill>
+            <a:miter lim="800000"/>
+          </a:ln>
+          <a:effectLst>
+            <a:outerShdw blurRad="55000" dist="18000" dir="5400000" algn="tl" rotWithShape="0">
+              <a:srgbClr val="000000">
+                <a:alpha val="40000"/>
+              </a:srgbClr>
+            </a:outerShdw>
+          </a:effectLst>
+          <a:scene3d>
+            <a:camera prst="orthographicFront"/>
+            <a:lightRig rig="twoPt" dir="t">
+              <a:rot lat="0" lon="0" rev="7200000"/>
+            </a:lightRig>
+          </a:scene3d>
+          <a:sp3d>
+            <a:bevelT w="25400" h="19050"/>
+            <a:contourClr>
+              <a:srgbClr val="FFFFFF"/>
+            </a:contourClr>
+          </a:sp3d>
+        </p:spPr>
+      </p:pic>
     </p:spTree>
     <p:extLst>
       <p:ext uri="{BB962C8B-B14F-4D97-AF65-F5344CB8AC3E}">
-        <p14:creationId xmlns:p14="http://schemas.microsoft.com/office/powerpoint/2010/main" val="301428168"/>
+        <p14:creationId xmlns:p14="http://schemas.microsoft.com/office/powerpoint/2010/main" val="689650434"/>
       </p:ext>
     </p:extLst>
   </p:cSld>
@@ -7267,8 +9483,8 @@
         </p:nvSpPr>
         <p:spPr>
           <a:xfrm>
-            <a:off x="434951" y="1531339"/>
-            <a:ext cx="10090174" cy="1200329"/>
+            <a:off x="2246772" y="115318"/>
+            <a:ext cx="9414443" cy="1754326"/>
           </a:xfrm>
           <a:prstGeom prst="rect">
             <a:avLst/>
@@ -7289,7 +9505,7 @@
                 <a:latin typeface="Arial" panose="020B0604020202020204" pitchFamily="34" charset="0"/>
                 <a:cs typeface="Arial" panose="020B0604020202020204" pitchFamily="34" charset="0"/>
               </a:rPr>
-              <a:t>Примеры интерфейса разработанной программы. Место без пассажира</a:t>
+              <a:t>Примеры интерфейса разработанной программы. Диалоговое окно для покупки места.</a:t>
             </a:r>
           </a:p>
         </p:txBody>
@@ -7487,10 +9703,39 @@
       </p:sp>
       <p:pic>
         <p:nvPicPr>
-          <p:cNvPr id="5" name="Рисунок 4">
+          <p:cNvPr id="2" name="Рисунок 1"/>
+          <p:cNvPicPr>
+            <a:picLocks noChangeAspect="1"/>
+          </p:cNvPicPr>
+          <p:nvPr/>
+        </p:nvPicPr>
+        <p:blipFill rotWithShape="1">
+          <a:blip r:embed="rId3" cstate="print">
+            <a:extLst>
+              <a:ext uri="{28A0092B-C50C-407E-A947-70E740481C1C}">
+                <a14:useLocalDpi xmlns:a14="http://schemas.microsoft.com/office/drawing/2010/main" val="0"/>
+              </a:ext>
+            </a:extLst>
+          </a:blip>
+          <a:srcRect r="18039"/>
+          <a:stretch/>
+        </p:blipFill>
+        <p:spPr>
+          <a:xfrm>
+            <a:off x="7087160" y="591126"/>
+            <a:ext cx="5104840" cy="6224495"/>
+          </a:xfrm>
+          <a:prstGeom prst="rect">
+            <a:avLst/>
+          </a:prstGeom>
+        </p:spPr>
+      </p:pic>
+      <p:pic>
+        <p:nvPicPr>
+          <p:cNvPr id="4" name="Рисунок 3">
             <a:extLst>
               <a:ext uri="{FF2B5EF4-FFF2-40B4-BE49-F238E27FC236}">
-                <a16:creationId xmlns:a16="http://schemas.microsoft.com/office/drawing/2014/main" id="{1937E84B-22C5-4362-82D9-63741BEAA262}"/>
+                <a16:creationId xmlns:a16="http://schemas.microsoft.com/office/drawing/2014/main" id="{5682AB70-618C-438F-8977-67EB232626EB}"/>
               </a:ext>
             </a:extLst>
           </p:cNvPr>
@@ -7500,15 +9745,15 @@
           <p:nvPr/>
         </p:nvPicPr>
         <p:blipFill>
-          <a:blip r:embed="rId3"/>
+          <a:blip r:embed="rId4"/>
           <a:stretch>
             <a:fillRect/>
           </a:stretch>
         </p:blipFill>
         <p:spPr>
           <a:xfrm>
-            <a:off x="916253" y="2818716"/>
-            <a:ext cx="5689605" cy="3882485"/>
+            <a:off x="255147" y="2112885"/>
+            <a:ext cx="6844904" cy="4568312"/>
           </a:xfrm>
           <a:prstGeom prst="rect">
             <a:avLst/>
@@ -7518,65 +9763,37 @@
               <a:shade val="85000"/>
             </a:srgbClr>
           </a:solidFill>
-          <a:ln w="190500" cap="rnd">
+          <a:ln w="88900" cap="sq">
             <a:solidFill>
               <a:srgbClr val="FFFFFF"/>
             </a:solidFill>
+            <a:miter lim="800000"/>
           </a:ln>
           <a:effectLst>
-            <a:outerShdw blurRad="50000" algn="tl" rotWithShape="0">
+            <a:outerShdw blurRad="55000" dist="18000" dir="5400000" algn="tl" rotWithShape="0">
               <a:srgbClr val="000000">
-                <a:alpha val="41000"/>
+                <a:alpha val="40000"/>
               </a:srgbClr>
             </a:outerShdw>
           </a:effectLst>
           <a:scene3d>
             <a:camera prst="orthographicFront"/>
             <a:lightRig rig="twoPt" dir="t">
-              <a:rot lat="0" lon="0" rev="7800000"/>
+              <a:rot lat="0" lon="0" rev="7200000"/>
             </a:lightRig>
           </a:scene3d>
-          <a:sp3d contourW="6350">
-            <a:bevelT w="50800" h="16510"/>
+          <a:sp3d>
+            <a:bevelT w="25400" h="19050"/>
             <a:contourClr>
-              <a:srgbClr val="C0C0C0"/>
+              <a:srgbClr val="FFFFFF"/>
             </a:contourClr>
           </a:sp3d>
-        </p:spPr>
-      </p:pic>
-      <p:pic>
-        <p:nvPicPr>
-          <p:cNvPr id="2" name="Рисунок 1"/>
-          <p:cNvPicPr>
-            <a:picLocks noChangeAspect="1"/>
-          </p:cNvPicPr>
-          <p:nvPr/>
-        </p:nvPicPr>
-        <p:blipFill rotWithShape="1">
-          <a:blip r:embed="rId4" cstate="print">
-            <a:extLst>
-              <a:ext uri="{28A0092B-C50C-407E-A947-70E740481C1C}">
-                <a14:useLocalDpi xmlns:a14="http://schemas.microsoft.com/office/drawing/2010/main" val="0"/>
-              </a:ext>
-            </a:extLst>
-          </a:blip>
-          <a:srcRect r="18039"/>
-          <a:stretch/>
-        </p:blipFill>
-        <p:spPr>
-          <a:xfrm>
-            <a:off x="7087160" y="591126"/>
-            <a:ext cx="5104840" cy="6224495"/>
-          </a:xfrm>
-          <a:prstGeom prst="rect">
-            <a:avLst/>
-          </a:prstGeom>
         </p:spPr>
       </p:pic>
     </p:spTree>
     <p:extLst>
       <p:ext uri="{BB962C8B-B14F-4D97-AF65-F5344CB8AC3E}">
-        <p14:creationId xmlns:p14="http://schemas.microsoft.com/office/powerpoint/2010/main" val="818528878"/>
+        <p14:creationId xmlns:p14="http://schemas.microsoft.com/office/powerpoint/2010/main" val="2794643325"/>
       </p:ext>
     </p:extLst>
   </p:cSld>
